--- a/網站架構.pptx
+++ b/網站架構.pptx
@@ -7,6 +7,7 @@
   <p:sldIdLst>
     <p:sldId id="256" r:id="rId2"/>
     <p:sldId id="257" r:id="rId3"/>
+    <p:sldId id="258" r:id="rId4"/>
   </p:sldIdLst>
   <p:sldSz cx="9144000" cy="6858000" type="screen4x3"/>
   <p:notesSz cx="6858000" cy="9144000"/>
@@ -289,7 +290,8 @@
           <a:p>
             <a:fld id="{FFA27011-FE90-4C08-A79F-9FEA82FCC654}" type="datetimeFigureOut">
               <a:rPr lang="zh-TW" altLang="en-US" smtClean="0"/>
-              <a:t>2025/1/11</a:t>
+              <a:pPr/>
+              <a:t>2025/1/17</a:t>
             </a:fld>
             <a:endParaRPr lang="zh-TW" altLang="en-US"/>
           </a:p>
@@ -331,6 +333,7 @@
           <a:p>
             <a:fld id="{70122332-C5AA-4478-9F30-CC20DD0CE001}" type="slidenum">
               <a:rPr lang="zh-TW" altLang="en-US" smtClean="0"/>
+              <a:pPr/>
               <a:t>‹#›</a:t>
             </a:fld>
             <a:endParaRPr lang="zh-TW" altLang="en-US"/>
@@ -454,7 +457,8 @@
           <a:p>
             <a:fld id="{FFA27011-FE90-4C08-A79F-9FEA82FCC654}" type="datetimeFigureOut">
               <a:rPr lang="zh-TW" altLang="en-US" smtClean="0"/>
-              <a:t>2025/1/11</a:t>
+              <a:pPr/>
+              <a:t>2025/1/17</a:t>
             </a:fld>
             <a:endParaRPr lang="zh-TW" altLang="en-US"/>
           </a:p>
@@ -496,6 +500,7 @@
           <a:p>
             <a:fld id="{70122332-C5AA-4478-9F30-CC20DD0CE001}" type="slidenum">
               <a:rPr lang="zh-TW" altLang="en-US" smtClean="0"/>
+              <a:pPr/>
               <a:t>‹#›</a:t>
             </a:fld>
             <a:endParaRPr lang="zh-TW" altLang="en-US"/>
@@ -629,7 +634,8 @@
           <a:p>
             <a:fld id="{FFA27011-FE90-4C08-A79F-9FEA82FCC654}" type="datetimeFigureOut">
               <a:rPr lang="zh-TW" altLang="en-US" smtClean="0"/>
-              <a:t>2025/1/11</a:t>
+              <a:pPr/>
+              <a:t>2025/1/17</a:t>
             </a:fld>
             <a:endParaRPr lang="zh-TW" altLang="en-US"/>
           </a:p>
@@ -671,6 +677,7 @@
           <a:p>
             <a:fld id="{70122332-C5AA-4478-9F30-CC20DD0CE001}" type="slidenum">
               <a:rPr lang="zh-TW" altLang="en-US" smtClean="0"/>
+              <a:pPr/>
               <a:t>‹#›</a:t>
             </a:fld>
             <a:endParaRPr lang="zh-TW" altLang="en-US"/>
@@ -794,7 +801,8 @@
           <a:p>
             <a:fld id="{FFA27011-FE90-4C08-A79F-9FEA82FCC654}" type="datetimeFigureOut">
               <a:rPr lang="zh-TW" altLang="en-US" smtClean="0"/>
-              <a:t>2025/1/11</a:t>
+              <a:pPr/>
+              <a:t>2025/1/17</a:t>
             </a:fld>
             <a:endParaRPr lang="zh-TW" altLang="en-US"/>
           </a:p>
@@ -836,6 +844,7 @@
           <a:p>
             <a:fld id="{70122332-C5AA-4478-9F30-CC20DD0CE001}" type="slidenum">
               <a:rPr lang="zh-TW" altLang="en-US" smtClean="0"/>
+              <a:pPr/>
               <a:t>‹#›</a:t>
             </a:fld>
             <a:endParaRPr lang="zh-TW" altLang="en-US"/>
@@ -1035,7 +1044,8 @@
           <a:p>
             <a:fld id="{FFA27011-FE90-4C08-A79F-9FEA82FCC654}" type="datetimeFigureOut">
               <a:rPr lang="zh-TW" altLang="en-US" smtClean="0"/>
-              <a:t>2025/1/11</a:t>
+              <a:pPr/>
+              <a:t>2025/1/17</a:t>
             </a:fld>
             <a:endParaRPr lang="zh-TW" altLang="en-US"/>
           </a:p>
@@ -1077,6 +1087,7 @@
           <a:p>
             <a:fld id="{70122332-C5AA-4478-9F30-CC20DD0CE001}" type="slidenum">
               <a:rPr lang="zh-TW" altLang="en-US" smtClean="0"/>
+              <a:pPr/>
               <a:t>‹#›</a:t>
             </a:fld>
             <a:endParaRPr lang="zh-TW" altLang="en-US"/>
@@ -1318,7 +1329,8 @@
           <a:p>
             <a:fld id="{FFA27011-FE90-4C08-A79F-9FEA82FCC654}" type="datetimeFigureOut">
               <a:rPr lang="zh-TW" altLang="en-US" smtClean="0"/>
-              <a:t>2025/1/11</a:t>
+              <a:pPr/>
+              <a:t>2025/1/17</a:t>
             </a:fld>
             <a:endParaRPr lang="zh-TW" altLang="en-US"/>
           </a:p>
@@ -1360,6 +1372,7 @@
           <a:p>
             <a:fld id="{70122332-C5AA-4478-9F30-CC20DD0CE001}" type="slidenum">
               <a:rPr lang="zh-TW" altLang="en-US" smtClean="0"/>
+              <a:pPr/>
               <a:t>‹#›</a:t>
             </a:fld>
             <a:endParaRPr lang="zh-TW" altLang="en-US"/>
@@ -1735,7 +1748,8 @@
           <a:p>
             <a:fld id="{FFA27011-FE90-4C08-A79F-9FEA82FCC654}" type="datetimeFigureOut">
               <a:rPr lang="zh-TW" altLang="en-US" smtClean="0"/>
-              <a:t>2025/1/11</a:t>
+              <a:pPr/>
+              <a:t>2025/1/17</a:t>
             </a:fld>
             <a:endParaRPr lang="zh-TW" altLang="en-US"/>
           </a:p>
@@ -1777,6 +1791,7 @@
           <a:p>
             <a:fld id="{70122332-C5AA-4478-9F30-CC20DD0CE001}" type="slidenum">
               <a:rPr lang="zh-TW" altLang="en-US" smtClean="0"/>
+              <a:pPr/>
               <a:t>‹#›</a:t>
             </a:fld>
             <a:endParaRPr lang="zh-TW" altLang="en-US"/>
@@ -1848,7 +1863,8 @@
           <a:p>
             <a:fld id="{FFA27011-FE90-4C08-A79F-9FEA82FCC654}" type="datetimeFigureOut">
               <a:rPr lang="zh-TW" altLang="en-US" smtClean="0"/>
-              <a:t>2025/1/11</a:t>
+              <a:pPr/>
+              <a:t>2025/1/17</a:t>
             </a:fld>
             <a:endParaRPr lang="zh-TW" altLang="en-US"/>
           </a:p>
@@ -1890,6 +1906,7 @@
           <a:p>
             <a:fld id="{70122332-C5AA-4478-9F30-CC20DD0CE001}" type="slidenum">
               <a:rPr lang="zh-TW" altLang="en-US" smtClean="0"/>
+              <a:pPr/>
               <a:t>‹#›</a:t>
             </a:fld>
             <a:endParaRPr lang="zh-TW" altLang="en-US"/>
@@ -1938,7 +1955,8 @@
           <a:p>
             <a:fld id="{FFA27011-FE90-4C08-A79F-9FEA82FCC654}" type="datetimeFigureOut">
               <a:rPr lang="zh-TW" altLang="en-US" smtClean="0"/>
-              <a:t>2025/1/11</a:t>
+              <a:pPr/>
+              <a:t>2025/1/17</a:t>
             </a:fld>
             <a:endParaRPr lang="zh-TW" altLang="en-US"/>
           </a:p>
@@ -1980,6 +1998,7 @@
           <a:p>
             <a:fld id="{70122332-C5AA-4478-9F30-CC20DD0CE001}" type="slidenum">
               <a:rPr lang="zh-TW" altLang="en-US" smtClean="0"/>
+              <a:pPr/>
               <a:t>‹#›</a:t>
             </a:fld>
             <a:endParaRPr lang="zh-TW" altLang="en-US"/>
@@ -2210,7 +2229,8 @@
           <a:p>
             <a:fld id="{FFA27011-FE90-4C08-A79F-9FEA82FCC654}" type="datetimeFigureOut">
               <a:rPr lang="zh-TW" altLang="en-US" smtClean="0"/>
-              <a:t>2025/1/11</a:t>
+              <a:pPr/>
+              <a:t>2025/1/17</a:t>
             </a:fld>
             <a:endParaRPr lang="zh-TW" altLang="en-US"/>
           </a:p>
@@ -2252,6 +2272,7 @@
           <a:p>
             <a:fld id="{70122332-C5AA-4478-9F30-CC20DD0CE001}" type="slidenum">
               <a:rPr lang="zh-TW" altLang="en-US" smtClean="0"/>
+              <a:pPr/>
               <a:t>‹#›</a:t>
             </a:fld>
             <a:endParaRPr lang="zh-TW" altLang="en-US"/>
@@ -2458,7 +2479,8 @@
           <a:p>
             <a:fld id="{FFA27011-FE90-4C08-A79F-9FEA82FCC654}" type="datetimeFigureOut">
               <a:rPr lang="zh-TW" altLang="en-US" smtClean="0"/>
-              <a:t>2025/1/11</a:t>
+              <a:pPr/>
+              <a:t>2025/1/17</a:t>
             </a:fld>
             <a:endParaRPr lang="zh-TW" altLang="en-US"/>
           </a:p>
@@ -2500,6 +2522,7 @@
           <a:p>
             <a:fld id="{70122332-C5AA-4478-9F30-CC20DD0CE001}" type="slidenum">
               <a:rPr lang="zh-TW" altLang="en-US" smtClean="0"/>
+              <a:pPr/>
               <a:t>‹#›</a:t>
             </a:fld>
             <a:endParaRPr lang="zh-TW" altLang="en-US"/>
@@ -2666,7 +2689,8 @@
           <a:p>
             <a:fld id="{FFA27011-FE90-4C08-A79F-9FEA82FCC654}" type="datetimeFigureOut">
               <a:rPr lang="zh-TW" altLang="en-US" smtClean="0"/>
-              <a:t>2025/1/11</a:t>
+              <a:pPr/>
+              <a:t>2025/1/17</a:t>
             </a:fld>
             <a:endParaRPr lang="zh-TW" altLang="en-US"/>
           </a:p>
@@ -2744,6 +2768,7 @@
           <a:p>
             <a:fld id="{70122332-C5AA-4478-9F30-CC20DD0CE001}" type="slidenum">
               <a:rPr lang="zh-TW" altLang="en-US" smtClean="0"/>
+              <a:pPr/>
               <a:t>‹#›</a:t>
             </a:fld>
             <a:endParaRPr lang="zh-TW" altLang="en-US"/>
@@ -3221,6 +3246,3326 @@
 </p:sld>
 </file>
 
+<file path=ppt/slides/slide3.xml><?xml version="1.0" encoding="utf-8"?>
+<p:sld xmlns:a="http://schemas.openxmlformats.org/drawingml/2006/main" xmlns:r="http://schemas.openxmlformats.org/officeDocument/2006/relationships" xmlns:p="http://schemas.openxmlformats.org/presentationml/2006/main">
+  <p:cSld>
+    <p:spTree>
+      <p:nvGrpSpPr>
+        <p:cNvPr id="1" name=""/>
+        <p:cNvGrpSpPr/>
+        <p:nvPr/>
+      </p:nvGrpSpPr>
+      <p:grpSpPr>
+        <a:xfrm>
+          <a:off x="0" y="0"/>
+          <a:ext cx="0" cy="0"/>
+          <a:chOff x="0" y="0"/>
+          <a:chExt cx="0" cy="0"/>
+        </a:xfrm>
+      </p:grpSpPr>
+      <p:sp>
+        <p:nvSpPr>
+          <p:cNvPr id="2" name="標題 4"/>
+          <p:cNvSpPr txBox="1">
+            <a:spLocks/>
+          </p:cNvSpPr>
+          <p:nvPr/>
+        </p:nvSpPr>
+        <p:spPr>
+          <a:xfrm>
+            <a:off x="0" y="274638"/>
+            <a:ext cx="9144000" cy="1143000"/>
+          </a:xfrm>
+          <a:prstGeom prst="rect">
+            <a:avLst/>
+          </a:prstGeom>
+          <a:solidFill>
+            <a:schemeClr val="accent4">
+              <a:lumMod val="20000"/>
+              <a:lumOff val="80000"/>
+            </a:schemeClr>
+          </a:solidFill>
+        </p:spPr>
+        <p:txBody>
+          <a:bodyPr vert="horz" lIns="91440" tIns="45720" rIns="91440" bIns="45720" rtlCol="0" anchor="ctr">
+            <a:normAutofit/>
+          </a:bodyPr>
+          <a:lstStyle/>
+          <a:p>
+            <a:pPr lvl="0" algn="ctr">
+              <a:spcBef>
+                <a:spcPct val="0"/>
+              </a:spcBef>
+            </a:pPr>
+            <a:r>
+              <a:rPr kumimoji="0" lang="en-US" altLang="zh-TW" sz="4400" b="0" i="0" u="none" strike="noStrike" kern="1200" cap="none" spc="0" normalizeH="0" baseline="0" noProof="0" dirty="0" smtClean="0">
+                <a:ln>
+                  <a:noFill/>
+                </a:ln>
+                <a:solidFill>
+                  <a:schemeClr val="tx1"/>
+                </a:solidFill>
+                <a:effectLst/>
+                <a:uLnTx/>
+                <a:uFillTx/>
+                <a:latin typeface="Times New Roman" pitchFamily="18" charset="0"/>
+                <a:ea typeface="標楷體" pitchFamily="65" charset="-120"/>
+                <a:cs typeface="Times New Roman" pitchFamily="18" charset="0"/>
+              </a:rPr>
+              <a:t>Database</a:t>
+            </a:r>
+            <a:r>
+              <a:rPr kumimoji="0" lang="zh-TW" altLang="en-US" sz="4400" b="0" i="0" u="none" strike="noStrike" kern="1200" cap="none" spc="0" normalizeH="0" baseline="0" noProof="0" dirty="0" smtClean="0">
+                <a:ln>
+                  <a:noFill/>
+                </a:ln>
+                <a:solidFill>
+                  <a:schemeClr val="tx1"/>
+                </a:solidFill>
+                <a:effectLst/>
+                <a:uLnTx/>
+                <a:uFillTx/>
+                <a:latin typeface="Times New Roman" pitchFamily="18" charset="0"/>
+                <a:ea typeface="標楷體" pitchFamily="65" charset="-120"/>
+                <a:cs typeface="Times New Roman" pitchFamily="18" charset="0"/>
+              </a:rPr>
+              <a:t> 設計</a:t>
+            </a:r>
+            <a:endParaRPr kumimoji="0" lang="zh-TW" altLang="en-US" sz="4400" b="0" i="0" u="none" strike="noStrike" kern="1200" cap="none" spc="0" normalizeH="0" baseline="0" noProof="0" dirty="0" smtClean="0">
+              <a:ln>
+                <a:noFill/>
+              </a:ln>
+              <a:solidFill>
+                <a:schemeClr val="tx1"/>
+              </a:solidFill>
+              <a:effectLst/>
+              <a:uLnTx/>
+              <a:uFillTx/>
+              <a:latin typeface="Times New Roman" pitchFamily="18" charset="0"/>
+              <a:ea typeface="標楷體" pitchFamily="65" charset="-120"/>
+              <a:cs typeface="Times New Roman" pitchFamily="18" charset="0"/>
+            </a:endParaRPr>
+          </a:p>
+        </p:txBody>
+      </p:sp>
+      <p:graphicFrame>
+        <p:nvGraphicFramePr>
+          <p:cNvPr id="5" name="表格 4"/>
+          <p:cNvGraphicFramePr>
+            <a:graphicFrameLocks noGrp="1"/>
+          </p:cNvGraphicFramePr>
+          <p:nvPr/>
+        </p:nvGraphicFramePr>
+        <p:xfrm>
+          <a:off x="357158" y="1714488"/>
+          <a:ext cx="2074822" cy="1851660"/>
+        </p:xfrm>
+        <a:graphic>
+          <a:graphicData uri="http://schemas.openxmlformats.org/drawingml/2006/table">
+            <a:tbl>
+              <a:tblPr/>
+              <a:tblGrid>
+                <a:gridCol w="777516"/>
+                <a:gridCol w="750253"/>
+                <a:gridCol w="547053"/>
+              </a:tblGrid>
+              <a:tr h="205740">
+                <a:tc gridSpan="3">
+                  <a:txBody>
+                    <a:bodyPr/>
+                    <a:lstStyle/>
+                    <a:p>
+                      <a:pPr algn="ctr" fontAlgn="ctr"/>
+                      <a:r>
+                        <a:rPr lang="en-US" sz="1200" b="0" i="0" u="none" strike="noStrike" dirty="0">
+                          <a:solidFill>
+                            <a:srgbClr val="000000"/>
+                          </a:solidFill>
+                          <a:latin typeface="Times New Roman" pitchFamily="18" charset="0"/>
+                          <a:ea typeface="標楷體" pitchFamily="65" charset="-120"/>
+                          <a:cs typeface="Times New Roman" pitchFamily="18" charset="0"/>
+                        </a:rPr>
+                        <a:t>contact</a:t>
+                      </a:r>
+                    </a:p>
+                  </a:txBody>
+                  <a:tcPr marL="7620" marR="7620" marT="7620" marB="0" anchor="ctr">
+                    <a:lnL w="6350" cap="flat" cmpd="sng" algn="ctr">
+                      <a:solidFill>
+                        <a:srgbClr val="000000"/>
+                      </a:solidFill>
+                      <a:prstDash val="solid"/>
+                      <a:round/>
+                      <a:headEnd type="none" w="med" len="med"/>
+                      <a:tailEnd type="none" w="med" len="med"/>
+                    </a:lnL>
+                    <a:lnR w="6350" cap="flat" cmpd="sng" algn="ctr">
+                      <a:solidFill>
+                        <a:srgbClr val="000000"/>
+                      </a:solidFill>
+                      <a:prstDash val="solid"/>
+                      <a:round/>
+                      <a:headEnd type="none" w="med" len="med"/>
+                      <a:tailEnd type="none" w="med" len="med"/>
+                    </a:lnR>
+                    <a:lnT w="6350" cap="flat" cmpd="sng" algn="ctr">
+                      <a:solidFill>
+                        <a:srgbClr val="000000"/>
+                      </a:solidFill>
+                      <a:prstDash val="solid"/>
+                      <a:round/>
+                      <a:headEnd type="none" w="med" len="med"/>
+                      <a:tailEnd type="none" w="med" len="med"/>
+                    </a:lnT>
+                    <a:lnB w="6350" cap="flat" cmpd="sng" algn="ctr">
+                      <a:solidFill>
+                        <a:srgbClr val="000000"/>
+                      </a:solidFill>
+                      <a:prstDash val="solid"/>
+                      <a:round/>
+                      <a:headEnd type="none" w="med" len="med"/>
+                      <a:tailEnd type="none" w="med" len="med"/>
+                    </a:lnB>
+                  </a:tcPr>
+                </a:tc>
+                <a:tc hMerge="1">
+                  <a:txBody>
+                    <a:bodyPr/>
+                    <a:lstStyle/>
+                    <a:p>
+                      <a:endParaRPr lang="zh-TW" altLang="en-US"/>
+                    </a:p>
+                  </a:txBody>
+                  <a:tcPr/>
+                </a:tc>
+                <a:tc hMerge="1">
+                  <a:txBody>
+                    <a:bodyPr/>
+                    <a:lstStyle/>
+                    <a:p>
+                      <a:endParaRPr lang="zh-TW" altLang="en-US"/>
+                    </a:p>
+                  </a:txBody>
+                  <a:tcPr/>
+                </a:tc>
+              </a:tr>
+              <a:tr h="205740">
+                <a:tc>
+                  <a:txBody>
+                    <a:bodyPr/>
+                    <a:lstStyle/>
+                    <a:p>
+                      <a:pPr algn="l" fontAlgn="ctr"/>
+                      <a:r>
+                        <a:rPr lang="zh-TW" altLang="en-US" sz="1200" b="0" i="0" u="none" strike="noStrike">
+                          <a:solidFill>
+                            <a:srgbClr val="000000"/>
+                          </a:solidFill>
+                          <a:latin typeface="Times New Roman" pitchFamily="18" charset="0"/>
+                          <a:ea typeface="標楷體" pitchFamily="65" charset="-120"/>
+                          <a:cs typeface="Times New Roman" pitchFamily="18" charset="0"/>
+                        </a:rPr>
+                        <a:t>欄位</a:t>
+                      </a:r>
+                    </a:p>
+                  </a:txBody>
+                  <a:tcPr marL="7620" marR="7620" marT="7620" marB="0" anchor="ctr">
+                    <a:lnL w="6350" cap="flat" cmpd="sng" algn="ctr">
+                      <a:solidFill>
+                        <a:srgbClr val="000000"/>
+                      </a:solidFill>
+                      <a:prstDash val="solid"/>
+                      <a:round/>
+                      <a:headEnd type="none" w="med" len="med"/>
+                      <a:tailEnd type="none" w="med" len="med"/>
+                    </a:lnL>
+                    <a:lnR w="6350" cap="flat" cmpd="sng" algn="ctr">
+                      <a:solidFill>
+                        <a:srgbClr val="000000"/>
+                      </a:solidFill>
+                      <a:prstDash val="solid"/>
+                      <a:round/>
+                      <a:headEnd type="none" w="med" len="med"/>
+                      <a:tailEnd type="none" w="med" len="med"/>
+                    </a:lnR>
+                    <a:lnT w="6350" cap="flat" cmpd="sng" algn="ctr">
+                      <a:solidFill>
+                        <a:srgbClr val="000000"/>
+                      </a:solidFill>
+                      <a:prstDash val="solid"/>
+                      <a:round/>
+                      <a:headEnd type="none" w="med" len="med"/>
+                      <a:tailEnd type="none" w="med" len="med"/>
+                    </a:lnT>
+                    <a:lnB w="6350" cap="flat" cmpd="sng" algn="ctr">
+                      <a:solidFill>
+                        <a:srgbClr val="000000"/>
+                      </a:solidFill>
+                      <a:prstDash val="solid"/>
+                      <a:round/>
+                      <a:headEnd type="none" w="med" len="med"/>
+                      <a:tailEnd type="none" w="med" len="med"/>
+                    </a:lnB>
+                  </a:tcPr>
+                </a:tc>
+                <a:tc>
+                  <a:txBody>
+                    <a:bodyPr/>
+                    <a:lstStyle/>
+                    <a:p>
+                      <a:pPr algn="l" fontAlgn="ctr"/>
+                      <a:r>
+                        <a:rPr lang="zh-TW" altLang="en-US" sz="1200" b="0" i="0" u="none" strike="noStrike" dirty="0">
+                          <a:solidFill>
+                            <a:srgbClr val="000000"/>
+                          </a:solidFill>
+                          <a:latin typeface="Times New Roman" pitchFamily="18" charset="0"/>
+                          <a:ea typeface="標楷體" pitchFamily="65" charset="-120"/>
+                          <a:cs typeface="Times New Roman" pitchFamily="18" charset="0"/>
+                        </a:rPr>
+                        <a:t>類型</a:t>
+                      </a:r>
+                    </a:p>
+                  </a:txBody>
+                  <a:tcPr marL="7620" marR="7620" marT="7620" marB="0" anchor="ctr">
+                    <a:lnL w="6350" cap="flat" cmpd="sng" algn="ctr">
+                      <a:solidFill>
+                        <a:srgbClr val="000000"/>
+                      </a:solidFill>
+                      <a:prstDash val="solid"/>
+                      <a:round/>
+                      <a:headEnd type="none" w="med" len="med"/>
+                      <a:tailEnd type="none" w="med" len="med"/>
+                    </a:lnL>
+                    <a:lnR w="6350" cap="flat" cmpd="sng" algn="ctr">
+                      <a:solidFill>
+                        <a:srgbClr val="000000"/>
+                      </a:solidFill>
+                      <a:prstDash val="solid"/>
+                      <a:round/>
+                      <a:headEnd type="none" w="med" len="med"/>
+                      <a:tailEnd type="none" w="med" len="med"/>
+                    </a:lnR>
+                    <a:lnT w="6350" cap="flat" cmpd="sng" algn="ctr">
+                      <a:solidFill>
+                        <a:srgbClr val="000000"/>
+                      </a:solidFill>
+                      <a:prstDash val="solid"/>
+                      <a:round/>
+                      <a:headEnd type="none" w="med" len="med"/>
+                      <a:tailEnd type="none" w="med" len="med"/>
+                    </a:lnT>
+                    <a:lnB w="6350" cap="flat" cmpd="sng" algn="ctr">
+                      <a:solidFill>
+                        <a:srgbClr val="000000"/>
+                      </a:solidFill>
+                      <a:prstDash val="solid"/>
+                      <a:round/>
+                      <a:headEnd type="none" w="med" len="med"/>
+                      <a:tailEnd type="none" w="med" len="med"/>
+                    </a:lnB>
+                  </a:tcPr>
+                </a:tc>
+                <a:tc>
+                  <a:txBody>
+                    <a:bodyPr/>
+                    <a:lstStyle/>
+                    <a:p>
+                      <a:pPr algn="l" fontAlgn="ctr"/>
+                      <a:r>
+                        <a:rPr lang="en-US" sz="1200" b="0" i="0" u="none" strike="noStrike">
+                          <a:solidFill>
+                            <a:srgbClr val="000000"/>
+                          </a:solidFill>
+                          <a:latin typeface="Times New Roman" pitchFamily="18" charset="0"/>
+                          <a:ea typeface="標楷體" pitchFamily="65" charset="-120"/>
+                          <a:cs typeface="Times New Roman" pitchFamily="18" charset="0"/>
+                        </a:rPr>
+                        <a:t>nullable</a:t>
+                      </a:r>
+                    </a:p>
+                  </a:txBody>
+                  <a:tcPr marL="7620" marR="7620" marT="7620" marB="0" anchor="ctr">
+                    <a:lnL w="6350" cap="flat" cmpd="sng" algn="ctr">
+                      <a:solidFill>
+                        <a:srgbClr val="000000"/>
+                      </a:solidFill>
+                      <a:prstDash val="solid"/>
+                      <a:round/>
+                      <a:headEnd type="none" w="med" len="med"/>
+                      <a:tailEnd type="none" w="med" len="med"/>
+                    </a:lnL>
+                    <a:lnR w="6350" cap="flat" cmpd="sng" algn="ctr">
+                      <a:solidFill>
+                        <a:srgbClr val="000000"/>
+                      </a:solidFill>
+                      <a:prstDash val="solid"/>
+                      <a:round/>
+                      <a:headEnd type="none" w="med" len="med"/>
+                      <a:tailEnd type="none" w="med" len="med"/>
+                    </a:lnR>
+                    <a:lnT w="6350" cap="flat" cmpd="sng" algn="ctr">
+                      <a:solidFill>
+                        <a:srgbClr val="000000"/>
+                      </a:solidFill>
+                      <a:prstDash val="solid"/>
+                      <a:round/>
+                      <a:headEnd type="none" w="med" len="med"/>
+                      <a:tailEnd type="none" w="med" len="med"/>
+                    </a:lnT>
+                    <a:lnB w="6350" cap="flat" cmpd="sng" algn="ctr">
+                      <a:solidFill>
+                        <a:srgbClr val="000000"/>
+                      </a:solidFill>
+                      <a:prstDash val="solid"/>
+                      <a:round/>
+                      <a:headEnd type="none" w="med" len="med"/>
+                      <a:tailEnd type="none" w="med" len="med"/>
+                    </a:lnB>
+                  </a:tcPr>
+                </a:tc>
+              </a:tr>
+              <a:tr h="205740">
+                <a:tc>
+                  <a:txBody>
+                    <a:bodyPr/>
+                    <a:lstStyle/>
+                    <a:p>
+                      <a:pPr algn="l" fontAlgn="ctr"/>
+                      <a:r>
+                        <a:rPr lang="en-US" sz="1200" b="0" i="0" u="none" strike="noStrike">
+                          <a:solidFill>
+                            <a:srgbClr val="000000"/>
+                          </a:solidFill>
+                          <a:latin typeface="Times New Roman" pitchFamily="18" charset="0"/>
+                          <a:ea typeface="標楷體" pitchFamily="65" charset="-120"/>
+                          <a:cs typeface="Times New Roman" pitchFamily="18" charset="0"/>
+                        </a:rPr>
+                        <a:t>id</a:t>
+                      </a:r>
+                    </a:p>
+                  </a:txBody>
+                  <a:tcPr marL="7620" marR="7620" marT="7620" marB="0" anchor="ctr">
+                    <a:lnL w="6350" cap="flat" cmpd="sng" algn="ctr">
+                      <a:solidFill>
+                        <a:srgbClr val="000000"/>
+                      </a:solidFill>
+                      <a:prstDash val="solid"/>
+                      <a:round/>
+                      <a:headEnd type="none" w="med" len="med"/>
+                      <a:tailEnd type="none" w="med" len="med"/>
+                    </a:lnL>
+                    <a:lnR w="6350" cap="flat" cmpd="sng" algn="ctr">
+                      <a:solidFill>
+                        <a:srgbClr val="000000"/>
+                      </a:solidFill>
+                      <a:prstDash val="solid"/>
+                      <a:round/>
+                      <a:headEnd type="none" w="med" len="med"/>
+                      <a:tailEnd type="none" w="med" len="med"/>
+                    </a:lnR>
+                    <a:lnT w="6350" cap="flat" cmpd="sng" algn="ctr">
+                      <a:solidFill>
+                        <a:srgbClr val="000000"/>
+                      </a:solidFill>
+                      <a:prstDash val="solid"/>
+                      <a:round/>
+                      <a:headEnd type="none" w="med" len="med"/>
+                      <a:tailEnd type="none" w="med" len="med"/>
+                    </a:lnT>
+                    <a:lnB w="6350" cap="flat" cmpd="sng" algn="ctr">
+                      <a:solidFill>
+                        <a:srgbClr val="000000"/>
+                      </a:solidFill>
+                      <a:prstDash val="solid"/>
+                      <a:round/>
+                      <a:headEnd type="none" w="med" len="med"/>
+                      <a:tailEnd type="none" w="med" len="med"/>
+                    </a:lnB>
+                  </a:tcPr>
+                </a:tc>
+                <a:tc>
+                  <a:txBody>
+                    <a:bodyPr/>
+                    <a:lstStyle/>
+                    <a:p>
+                      <a:pPr algn="l" fontAlgn="ctr"/>
+                      <a:r>
+                        <a:rPr lang="en-US" sz="1200" b="0" i="0" u="none" strike="noStrike">
+                          <a:solidFill>
+                            <a:srgbClr val="000000"/>
+                          </a:solidFill>
+                          <a:latin typeface="Times New Roman" pitchFamily="18" charset="0"/>
+                          <a:ea typeface="標楷體" pitchFamily="65" charset="-120"/>
+                          <a:cs typeface="Times New Roman" pitchFamily="18" charset="0"/>
+                        </a:rPr>
+                        <a:t>increments</a:t>
+                      </a:r>
+                    </a:p>
+                  </a:txBody>
+                  <a:tcPr marL="7620" marR="7620" marT="7620" marB="0" anchor="ctr">
+                    <a:lnL w="6350" cap="flat" cmpd="sng" algn="ctr">
+                      <a:solidFill>
+                        <a:srgbClr val="000000"/>
+                      </a:solidFill>
+                      <a:prstDash val="solid"/>
+                      <a:round/>
+                      <a:headEnd type="none" w="med" len="med"/>
+                      <a:tailEnd type="none" w="med" len="med"/>
+                    </a:lnL>
+                    <a:lnR w="6350" cap="flat" cmpd="sng" algn="ctr">
+                      <a:solidFill>
+                        <a:srgbClr val="000000"/>
+                      </a:solidFill>
+                      <a:prstDash val="solid"/>
+                      <a:round/>
+                      <a:headEnd type="none" w="med" len="med"/>
+                      <a:tailEnd type="none" w="med" len="med"/>
+                    </a:lnR>
+                    <a:lnT w="6350" cap="flat" cmpd="sng" algn="ctr">
+                      <a:solidFill>
+                        <a:srgbClr val="000000"/>
+                      </a:solidFill>
+                      <a:prstDash val="solid"/>
+                      <a:round/>
+                      <a:headEnd type="none" w="med" len="med"/>
+                      <a:tailEnd type="none" w="med" len="med"/>
+                    </a:lnT>
+                    <a:lnB w="6350" cap="flat" cmpd="sng" algn="ctr">
+                      <a:solidFill>
+                        <a:srgbClr val="000000"/>
+                      </a:solidFill>
+                      <a:prstDash val="solid"/>
+                      <a:round/>
+                      <a:headEnd type="none" w="med" len="med"/>
+                      <a:tailEnd type="none" w="med" len="med"/>
+                    </a:lnB>
+                  </a:tcPr>
+                </a:tc>
+                <a:tc>
+                  <a:txBody>
+                    <a:bodyPr/>
+                    <a:lstStyle/>
+                    <a:p>
+                      <a:pPr algn="l" fontAlgn="ctr"/>
+                      <a:r>
+                        <a:rPr lang="zh-TW" altLang="en-US" sz="1200" b="0" i="0" u="none" strike="noStrike">
+                          <a:solidFill>
+                            <a:srgbClr val="000000"/>
+                          </a:solidFill>
+                          <a:latin typeface="Times New Roman" pitchFamily="18" charset="0"/>
+                          <a:ea typeface="標楷體" pitchFamily="65" charset="-120"/>
+                          <a:cs typeface="Times New Roman" pitchFamily="18" charset="0"/>
+                        </a:rPr>
+                        <a:t>　</a:t>
+                      </a:r>
+                    </a:p>
+                  </a:txBody>
+                  <a:tcPr marL="7620" marR="7620" marT="7620" marB="0" anchor="ctr">
+                    <a:lnL w="6350" cap="flat" cmpd="sng" algn="ctr">
+                      <a:solidFill>
+                        <a:srgbClr val="000000"/>
+                      </a:solidFill>
+                      <a:prstDash val="solid"/>
+                      <a:round/>
+                      <a:headEnd type="none" w="med" len="med"/>
+                      <a:tailEnd type="none" w="med" len="med"/>
+                    </a:lnL>
+                    <a:lnR w="6350" cap="flat" cmpd="sng" algn="ctr">
+                      <a:solidFill>
+                        <a:srgbClr val="000000"/>
+                      </a:solidFill>
+                      <a:prstDash val="solid"/>
+                      <a:round/>
+                      <a:headEnd type="none" w="med" len="med"/>
+                      <a:tailEnd type="none" w="med" len="med"/>
+                    </a:lnR>
+                    <a:lnT w="6350" cap="flat" cmpd="sng" algn="ctr">
+                      <a:solidFill>
+                        <a:srgbClr val="000000"/>
+                      </a:solidFill>
+                      <a:prstDash val="solid"/>
+                      <a:round/>
+                      <a:headEnd type="none" w="med" len="med"/>
+                      <a:tailEnd type="none" w="med" len="med"/>
+                    </a:lnT>
+                    <a:lnB w="6350" cap="flat" cmpd="sng" algn="ctr">
+                      <a:solidFill>
+                        <a:srgbClr val="000000"/>
+                      </a:solidFill>
+                      <a:prstDash val="solid"/>
+                      <a:round/>
+                      <a:headEnd type="none" w="med" len="med"/>
+                      <a:tailEnd type="none" w="med" len="med"/>
+                    </a:lnB>
+                  </a:tcPr>
+                </a:tc>
+              </a:tr>
+              <a:tr h="205740">
+                <a:tc>
+                  <a:txBody>
+                    <a:bodyPr/>
+                    <a:lstStyle/>
+                    <a:p>
+                      <a:pPr algn="l" fontAlgn="ctr"/>
+                      <a:r>
+                        <a:rPr lang="en-US" sz="1200" b="0" i="0" u="none" strike="noStrike">
+                          <a:solidFill>
+                            <a:srgbClr val="000000"/>
+                          </a:solidFill>
+                          <a:latin typeface="Times New Roman" pitchFamily="18" charset="0"/>
+                          <a:ea typeface="標楷體" pitchFamily="65" charset="-120"/>
+                          <a:cs typeface="Times New Roman" pitchFamily="18" charset="0"/>
+                        </a:rPr>
+                        <a:t>name</a:t>
+                      </a:r>
+                    </a:p>
+                  </a:txBody>
+                  <a:tcPr marL="7620" marR="7620" marT="7620" marB="0" anchor="ctr">
+                    <a:lnL w="6350" cap="flat" cmpd="sng" algn="ctr">
+                      <a:solidFill>
+                        <a:srgbClr val="000000"/>
+                      </a:solidFill>
+                      <a:prstDash val="solid"/>
+                      <a:round/>
+                      <a:headEnd type="none" w="med" len="med"/>
+                      <a:tailEnd type="none" w="med" len="med"/>
+                    </a:lnL>
+                    <a:lnR w="6350" cap="flat" cmpd="sng" algn="ctr">
+                      <a:solidFill>
+                        <a:srgbClr val="000000"/>
+                      </a:solidFill>
+                      <a:prstDash val="solid"/>
+                      <a:round/>
+                      <a:headEnd type="none" w="med" len="med"/>
+                      <a:tailEnd type="none" w="med" len="med"/>
+                    </a:lnR>
+                    <a:lnT w="6350" cap="flat" cmpd="sng" algn="ctr">
+                      <a:solidFill>
+                        <a:srgbClr val="000000"/>
+                      </a:solidFill>
+                      <a:prstDash val="solid"/>
+                      <a:round/>
+                      <a:headEnd type="none" w="med" len="med"/>
+                      <a:tailEnd type="none" w="med" len="med"/>
+                    </a:lnT>
+                    <a:lnB w="6350" cap="flat" cmpd="sng" algn="ctr">
+                      <a:solidFill>
+                        <a:srgbClr val="000000"/>
+                      </a:solidFill>
+                      <a:prstDash val="solid"/>
+                      <a:round/>
+                      <a:headEnd type="none" w="med" len="med"/>
+                      <a:tailEnd type="none" w="med" len="med"/>
+                    </a:lnB>
+                  </a:tcPr>
+                </a:tc>
+                <a:tc>
+                  <a:txBody>
+                    <a:bodyPr/>
+                    <a:lstStyle/>
+                    <a:p>
+                      <a:pPr algn="l" fontAlgn="ctr"/>
+                      <a:r>
+                        <a:rPr lang="en-US" sz="1200" b="0" i="0" u="none" strike="noStrike">
+                          <a:solidFill>
+                            <a:srgbClr val="000000"/>
+                          </a:solidFill>
+                          <a:latin typeface="Times New Roman" pitchFamily="18" charset="0"/>
+                          <a:ea typeface="標楷體" pitchFamily="65" charset="-120"/>
+                          <a:cs typeface="Times New Roman" pitchFamily="18" charset="0"/>
+                        </a:rPr>
+                        <a:t>string</a:t>
+                      </a:r>
+                    </a:p>
+                  </a:txBody>
+                  <a:tcPr marL="7620" marR="7620" marT="7620" marB="0" anchor="ctr">
+                    <a:lnL w="6350" cap="flat" cmpd="sng" algn="ctr">
+                      <a:solidFill>
+                        <a:srgbClr val="000000"/>
+                      </a:solidFill>
+                      <a:prstDash val="solid"/>
+                      <a:round/>
+                      <a:headEnd type="none" w="med" len="med"/>
+                      <a:tailEnd type="none" w="med" len="med"/>
+                    </a:lnL>
+                    <a:lnR w="6350" cap="flat" cmpd="sng" algn="ctr">
+                      <a:solidFill>
+                        <a:srgbClr val="000000"/>
+                      </a:solidFill>
+                      <a:prstDash val="solid"/>
+                      <a:round/>
+                      <a:headEnd type="none" w="med" len="med"/>
+                      <a:tailEnd type="none" w="med" len="med"/>
+                    </a:lnR>
+                    <a:lnT w="6350" cap="flat" cmpd="sng" algn="ctr">
+                      <a:solidFill>
+                        <a:srgbClr val="000000"/>
+                      </a:solidFill>
+                      <a:prstDash val="solid"/>
+                      <a:round/>
+                      <a:headEnd type="none" w="med" len="med"/>
+                      <a:tailEnd type="none" w="med" len="med"/>
+                    </a:lnT>
+                    <a:lnB w="6350" cap="flat" cmpd="sng" algn="ctr">
+                      <a:solidFill>
+                        <a:srgbClr val="000000"/>
+                      </a:solidFill>
+                      <a:prstDash val="solid"/>
+                      <a:round/>
+                      <a:headEnd type="none" w="med" len="med"/>
+                      <a:tailEnd type="none" w="med" len="med"/>
+                    </a:lnB>
+                  </a:tcPr>
+                </a:tc>
+                <a:tc>
+                  <a:txBody>
+                    <a:bodyPr/>
+                    <a:lstStyle/>
+                    <a:p>
+                      <a:pPr algn="l" fontAlgn="ctr"/>
+                      <a:r>
+                        <a:rPr lang="en-US" sz="1200" b="0" i="0" u="none" strike="noStrike">
+                          <a:solidFill>
+                            <a:srgbClr val="000000"/>
+                          </a:solidFill>
+                          <a:latin typeface="Times New Roman" pitchFamily="18" charset="0"/>
+                          <a:ea typeface="標楷體" pitchFamily="65" charset="-120"/>
+                          <a:cs typeface="Times New Roman" pitchFamily="18" charset="0"/>
+                        </a:rPr>
+                        <a:t>v</a:t>
+                      </a:r>
+                    </a:p>
+                  </a:txBody>
+                  <a:tcPr marL="7620" marR="7620" marT="7620" marB="0" anchor="ctr">
+                    <a:lnL w="6350" cap="flat" cmpd="sng" algn="ctr">
+                      <a:solidFill>
+                        <a:srgbClr val="000000"/>
+                      </a:solidFill>
+                      <a:prstDash val="solid"/>
+                      <a:round/>
+                      <a:headEnd type="none" w="med" len="med"/>
+                      <a:tailEnd type="none" w="med" len="med"/>
+                    </a:lnL>
+                    <a:lnR w="6350" cap="flat" cmpd="sng" algn="ctr">
+                      <a:solidFill>
+                        <a:srgbClr val="000000"/>
+                      </a:solidFill>
+                      <a:prstDash val="solid"/>
+                      <a:round/>
+                      <a:headEnd type="none" w="med" len="med"/>
+                      <a:tailEnd type="none" w="med" len="med"/>
+                    </a:lnR>
+                    <a:lnT w="6350" cap="flat" cmpd="sng" algn="ctr">
+                      <a:solidFill>
+                        <a:srgbClr val="000000"/>
+                      </a:solidFill>
+                      <a:prstDash val="solid"/>
+                      <a:round/>
+                      <a:headEnd type="none" w="med" len="med"/>
+                      <a:tailEnd type="none" w="med" len="med"/>
+                    </a:lnT>
+                    <a:lnB w="6350" cap="flat" cmpd="sng" algn="ctr">
+                      <a:solidFill>
+                        <a:srgbClr val="000000"/>
+                      </a:solidFill>
+                      <a:prstDash val="solid"/>
+                      <a:round/>
+                      <a:headEnd type="none" w="med" len="med"/>
+                      <a:tailEnd type="none" w="med" len="med"/>
+                    </a:lnB>
+                  </a:tcPr>
+                </a:tc>
+              </a:tr>
+              <a:tr h="205740">
+                <a:tc>
+                  <a:txBody>
+                    <a:bodyPr/>
+                    <a:lstStyle/>
+                    <a:p>
+                      <a:pPr algn="l" fontAlgn="ctr"/>
+                      <a:r>
+                        <a:rPr lang="en-US" sz="1200" b="0" i="0" u="none" strike="noStrike">
+                          <a:solidFill>
+                            <a:srgbClr val="000000"/>
+                          </a:solidFill>
+                          <a:latin typeface="Times New Roman" pitchFamily="18" charset="0"/>
+                          <a:ea typeface="標楷體" pitchFamily="65" charset="-120"/>
+                          <a:cs typeface="Times New Roman" pitchFamily="18" charset="0"/>
+                        </a:rPr>
+                        <a:t>email</a:t>
+                      </a:r>
+                    </a:p>
+                  </a:txBody>
+                  <a:tcPr marL="7620" marR="7620" marT="7620" marB="0" anchor="ctr">
+                    <a:lnL w="6350" cap="flat" cmpd="sng" algn="ctr">
+                      <a:solidFill>
+                        <a:srgbClr val="000000"/>
+                      </a:solidFill>
+                      <a:prstDash val="solid"/>
+                      <a:round/>
+                      <a:headEnd type="none" w="med" len="med"/>
+                      <a:tailEnd type="none" w="med" len="med"/>
+                    </a:lnL>
+                    <a:lnR w="6350" cap="flat" cmpd="sng" algn="ctr">
+                      <a:solidFill>
+                        <a:srgbClr val="000000"/>
+                      </a:solidFill>
+                      <a:prstDash val="solid"/>
+                      <a:round/>
+                      <a:headEnd type="none" w="med" len="med"/>
+                      <a:tailEnd type="none" w="med" len="med"/>
+                    </a:lnR>
+                    <a:lnT w="6350" cap="flat" cmpd="sng" algn="ctr">
+                      <a:solidFill>
+                        <a:srgbClr val="000000"/>
+                      </a:solidFill>
+                      <a:prstDash val="solid"/>
+                      <a:round/>
+                      <a:headEnd type="none" w="med" len="med"/>
+                      <a:tailEnd type="none" w="med" len="med"/>
+                    </a:lnT>
+                    <a:lnB w="6350" cap="flat" cmpd="sng" algn="ctr">
+                      <a:solidFill>
+                        <a:srgbClr val="000000"/>
+                      </a:solidFill>
+                      <a:prstDash val="solid"/>
+                      <a:round/>
+                      <a:headEnd type="none" w="med" len="med"/>
+                      <a:tailEnd type="none" w="med" len="med"/>
+                    </a:lnB>
+                  </a:tcPr>
+                </a:tc>
+                <a:tc>
+                  <a:txBody>
+                    <a:bodyPr/>
+                    <a:lstStyle/>
+                    <a:p>
+                      <a:pPr algn="l" fontAlgn="ctr"/>
+                      <a:r>
+                        <a:rPr lang="en-US" sz="1200" b="0" i="0" u="none" strike="noStrike">
+                          <a:solidFill>
+                            <a:srgbClr val="000000"/>
+                          </a:solidFill>
+                          <a:latin typeface="Times New Roman" pitchFamily="18" charset="0"/>
+                          <a:ea typeface="標楷體" pitchFamily="65" charset="-120"/>
+                          <a:cs typeface="Times New Roman" pitchFamily="18" charset="0"/>
+                        </a:rPr>
+                        <a:t>string</a:t>
+                      </a:r>
+                    </a:p>
+                  </a:txBody>
+                  <a:tcPr marL="7620" marR="7620" marT="7620" marB="0" anchor="ctr">
+                    <a:lnL w="6350" cap="flat" cmpd="sng" algn="ctr">
+                      <a:solidFill>
+                        <a:srgbClr val="000000"/>
+                      </a:solidFill>
+                      <a:prstDash val="solid"/>
+                      <a:round/>
+                      <a:headEnd type="none" w="med" len="med"/>
+                      <a:tailEnd type="none" w="med" len="med"/>
+                    </a:lnL>
+                    <a:lnR w="6350" cap="flat" cmpd="sng" algn="ctr">
+                      <a:solidFill>
+                        <a:srgbClr val="000000"/>
+                      </a:solidFill>
+                      <a:prstDash val="solid"/>
+                      <a:round/>
+                      <a:headEnd type="none" w="med" len="med"/>
+                      <a:tailEnd type="none" w="med" len="med"/>
+                    </a:lnR>
+                    <a:lnT w="6350" cap="flat" cmpd="sng" algn="ctr">
+                      <a:solidFill>
+                        <a:srgbClr val="000000"/>
+                      </a:solidFill>
+                      <a:prstDash val="solid"/>
+                      <a:round/>
+                      <a:headEnd type="none" w="med" len="med"/>
+                      <a:tailEnd type="none" w="med" len="med"/>
+                    </a:lnT>
+                    <a:lnB w="6350" cap="flat" cmpd="sng" algn="ctr">
+                      <a:solidFill>
+                        <a:srgbClr val="000000"/>
+                      </a:solidFill>
+                      <a:prstDash val="solid"/>
+                      <a:round/>
+                      <a:headEnd type="none" w="med" len="med"/>
+                      <a:tailEnd type="none" w="med" len="med"/>
+                    </a:lnB>
+                  </a:tcPr>
+                </a:tc>
+                <a:tc>
+                  <a:txBody>
+                    <a:bodyPr/>
+                    <a:lstStyle/>
+                    <a:p>
+                      <a:pPr algn="l" fontAlgn="ctr"/>
+                      <a:r>
+                        <a:rPr lang="en-US" sz="1200" b="0" i="0" u="none" strike="noStrike">
+                          <a:solidFill>
+                            <a:srgbClr val="000000"/>
+                          </a:solidFill>
+                          <a:latin typeface="Times New Roman" pitchFamily="18" charset="0"/>
+                          <a:ea typeface="標楷體" pitchFamily="65" charset="-120"/>
+                          <a:cs typeface="Times New Roman" pitchFamily="18" charset="0"/>
+                        </a:rPr>
+                        <a:t>v</a:t>
+                      </a:r>
+                    </a:p>
+                  </a:txBody>
+                  <a:tcPr marL="7620" marR="7620" marT="7620" marB="0" anchor="ctr">
+                    <a:lnL w="6350" cap="flat" cmpd="sng" algn="ctr">
+                      <a:solidFill>
+                        <a:srgbClr val="000000"/>
+                      </a:solidFill>
+                      <a:prstDash val="solid"/>
+                      <a:round/>
+                      <a:headEnd type="none" w="med" len="med"/>
+                      <a:tailEnd type="none" w="med" len="med"/>
+                    </a:lnL>
+                    <a:lnR w="6350" cap="flat" cmpd="sng" algn="ctr">
+                      <a:solidFill>
+                        <a:srgbClr val="000000"/>
+                      </a:solidFill>
+                      <a:prstDash val="solid"/>
+                      <a:round/>
+                      <a:headEnd type="none" w="med" len="med"/>
+                      <a:tailEnd type="none" w="med" len="med"/>
+                    </a:lnR>
+                    <a:lnT w="6350" cap="flat" cmpd="sng" algn="ctr">
+                      <a:solidFill>
+                        <a:srgbClr val="000000"/>
+                      </a:solidFill>
+                      <a:prstDash val="solid"/>
+                      <a:round/>
+                      <a:headEnd type="none" w="med" len="med"/>
+                      <a:tailEnd type="none" w="med" len="med"/>
+                    </a:lnT>
+                    <a:lnB w="6350" cap="flat" cmpd="sng" algn="ctr">
+                      <a:solidFill>
+                        <a:srgbClr val="000000"/>
+                      </a:solidFill>
+                      <a:prstDash val="solid"/>
+                      <a:round/>
+                      <a:headEnd type="none" w="med" len="med"/>
+                      <a:tailEnd type="none" w="med" len="med"/>
+                    </a:lnB>
+                  </a:tcPr>
+                </a:tc>
+              </a:tr>
+              <a:tr h="205740">
+                <a:tc>
+                  <a:txBody>
+                    <a:bodyPr/>
+                    <a:lstStyle/>
+                    <a:p>
+                      <a:pPr algn="l" fontAlgn="ctr"/>
+                      <a:r>
+                        <a:rPr lang="en-US" sz="1200" b="0" i="0" u="none" strike="noStrike">
+                          <a:solidFill>
+                            <a:srgbClr val="000000"/>
+                          </a:solidFill>
+                          <a:latin typeface="Times New Roman" pitchFamily="18" charset="0"/>
+                          <a:ea typeface="標楷體" pitchFamily="65" charset="-120"/>
+                          <a:cs typeface="Times New Roman" pitchFamily="18" charset="0"/>
+                        </a:rPr>
+                        <a:t>phone</a:t>
+                      </a:r>
+                    </a:p>
+                  </a:txBody>
+                  <a:tcPr marL="7620" marR="7620" marT="7620" marB="0" anchor="ctr">
+                    <a:lnL w="6350" cap="flat" cmpd="sng" algn="ctr">
+                      <a:solidFill>
+                        <a:srgbClr val="000000"/>
+                      </a:solidFill>
+                      <a:prstDash val="solid"/>
+                      <a:round/>
+                      <a:headEnd type="none" w="med" len="med"/>
+                      <a:tailEnd type="none" w="med" len="med"/>
+                    </a:lnL>
+                    <a:lnR w="6350" cap="flat" cmpd="sng" algn="ctr">
+                      <a:solidFill>
+                        <a:srgbClr val="000000"/>
+                      </a:solidFill>
+                      <a:prstDash val="solid"/>
+                      <a:round/>
+                      <a:headEnd type="none" w="med" len="med"/>
+                      <a:tailEnd type="none" w="med" len="med"/>
+                    </a:lnR>
+                    <a:lnT w="6350" cap="flat" cmpd="sng" algn="ctr">
+                      <a:solidFill>
+                        <a:srgbClr val="000000"/>
+                      </a:solidFill>
+                      <a:prstDash val="solid"/>
+                      <a:round/>
+                      <a:headEnd type="none" w="med" len="med"/>
+                      <a:tailEnd type="none" w="med" len="med"/>
+                    </a:lnT>
+                    <a:lnB w="6350" cap="flat" cmpd="sng" algn="ctr">
+                      <a:solidFill>
+                        <a:srgbClr val="000000"/>
+                      </a:solidFill>
+                      <a:prstDash val="solid"/>
+                      <a:round/>
+                      <a:headEnd type="none" w="med" len="med"/>
+                      <a:tailEnd type="none" w="med" len="med"/>
+                    </a:lnB>
+                  </a:tcPr>
+                </a:tc>
+                <a:tc>
+                  <a:txBody>
+                    <a:bodyPr/>
+                    <a:lstStyle/>
+                    <a:p>
+                      <a:pPr algn="l" fontAlgn="ctr"/>
+                      <a:r>
+                        <a:rPr lang="en-US" sz="1200" b="0" i="0" u="none" strike="noStrike">
+                          <a:solidFill>
+                            <a:srgbClr val="000000"/>
+                          </a:solidFill>
+                          <a:latin typeface="Times New Roman" pitchFamily="18" charset="0"/>
+                          <a:ea typeface="標楷體" pitchFamily="65" charset="-120"/>
+                          <a:cs typeface="Times New Roman" pitchFamily="18" charset="0"/>
+                        </a:rPr>
+                        <a:t>string</a:t>
+                      </a:r>
+                    </a:p>
+                  </a:txBody>
+                  <a:tcPr marL="7620" marR="7620" marT="7620" marB="0" anchor="ctr">
+                    <a:lnL w="6350" cap="flat" cmpd="sng" algn="ctr">
+                      <a:solidFill>
+                        <a:srgbClr val="000000"/>
+                      </a:solidFill>
+                      <a:prstDash val="solid"/>
+                      <a:round/>
+                      <a:headEnd type="none" w="med" len="med"/>
+                      <a:tailEnd type="none" w="med" len="med"/>
+                    </a:lnL>
+                    <a:lnR w="6350" cap="flat" cmpd="sng" algn="ctr">
+                      <a:solidFill>
+                        <a:srgbClr val="000000"/>
+                      </a:solidFill>
+                      <a:prstDash val="solid"/>
+                      <a:round/>
+                      <a:headEnd type="none" w="med" len="med"/>
+                      <a:tailEnd type="none" w="med" len="med"/>
+                    </a:lnR>
+                    <a:lnT w="6350" cap="flat" cmpd="sng" algn="ctr">
+                      <a:solidFill>
+                        <a:srgbClr val="000000"/>
+                      </a:solidFill>
+                      <a:prstDash val="solid"/>
+                      <a:round/>
+                      <a:headEnd type="none" w="med" len="med"/>
+                      <a:tailEnd type="none" w="med" len="med"/>
+                    </a:lnT>
+                    <a:lnB w="6350" cap="flat" cmpd="sng" algn="ctr">
+                      <a:solidFill>
+                        <a:srgbClr val="000000"/>
+                      </a:solidFill>
+                      <a:prstDash val="solid"/>
+                      <a:round/>
+                      <a:headEnd type="none" w="med" len="med"/>
+                      <a:tailEnd type="none" w="med" len="med"/>
+                    </a:lnB>
+                  </a:tcPr>
+                </a:tc>
+                <a:tc>
+                  <a:txBody>
+                    <a:bodyPr/>
+                    <a:lstStyle/>
+                    <a:p>
+                      <a:pPr algn="l" fontAlgn="ctr"/>
+                      <a:r>
+                        <a:rPr lang="en-US" sz="1200" b="0" i="0" u="none" strike="noStrike">
+                          <a:solidFill>
+                            <a:srgbClr val="000000"/>
+                          </a:solidFill>
+                          <a:latin typeface="Times New Roman" pitchFamily="18" charset="0"/>
+                          <a:ea typeface="標楷體" pitchFamily="65" charset="-120"/>
+                          <a:cs typeface="Times New Roman" pitchFamily="18" charset="0"/>
+                        </a:rPr>
+                        <a:t>v</a:t>
+                      </a:r>
+                    </a:p>
+                  </a:txBody>
+                  <a:tcPr marL="7620" marR="7620" marT="7620" marB="0" anchor="ctr">
+                    <a:lnL w="6350" cap="flat" cmpd="sng" algn="ctr">
+                      <a:solidFill>
+                        <a:srgbClr val="000000"/>
+                      </a:solidFill>
+                      <a:prstDash val="solid"/>
+                      <a:round/>
+                      <a:headEnd type="none" w="med" len="med"/>
+                      <a:tailEnd type="none" w="med" len="med"/>
+                    </a:lnL>
+                    <a:lnR w="6350" cap="flat" cmpd="sng" algn="ctr">
+                      <a:solidFill>
+                        <a:srgbClr val="000000"/>
+                      </a:solidFill>
+                      <a:prstDash val="solid"/>
+                      <a:round/>
+                      <a:headEnd type="none" w="med" len="med"/>
+                      <a:tailEnd type="none" w="med" len="med"/>
+                    </a:lnR>
+                    <a:lnT w="6350" cap="flat" cmpd="sng" algn="ctr">
+                      <a:solidFill>
+                        <a:srgbClr val="000000"/>
+                      </a:solidFill>
+                      <a:prstDash val="solid"/>
+                      <a:round/>
+                      <a:headEnd type="none" w="med" len="med"/>
+                      <a:tailEnd type="none" w="med" len="med"/>
+                    </a:lnT>
+                    <a:lnB w="6350" cap="flat" cmpd="sng" algn="ctr">
+                      <a:solidFill>
+                        <a:srgbClr val="000000"/>
+                      </a:solidFill>
+                      <a:prstDash val="solid"/>
+                      <a:round/>
+                      <a:headEnd type="none" w="med" len="med"/>
+                      <a:tailEnd type="none" w="med" len="med"/>
+                    </a:lnB>
+                  </a:tcPr>
+                </a:tc>
+              </a:tr>
+              <a:tr h="205740">
+                <a:tc>
+                  <a:txBody>
+                    <a:bodyPr/>
+                    <a:lstStyle/>
+                    <a:p>
+                      <a:pPr algn="l" fontAlgn="ctr"/>
+                      <a:r>
+                        <a:rPr lang="en-US" sz="1200" b="0" i="0" u="none" strike="noStrike">
+                          <a:solidFill>
+                            <a:srgbClr val="000000"/>
+                          </a:solidFill>
+                          <a:latin typeface="Times New Roman" pitchFamily="18" charset="0"/>
+                          <a:ea typeface="標楷體" pitchFamily="65" charset="-120"/>
+                          <a:cs typeface="Times New Roman" pitchFamily="18" charset="0"/>
+                        </a:rPr>
+                        <a:t>information</a:t>
+                      </a:r>
+                    </a:p>
+                  </a:txBody>
+                  <a:tcPr marL="7620" marR="7620" marT="7620" marB="0" anchor="ctr">
+                    <a:lnL w="6350" cap="flat" cmpd="sng" algn="ctr">
+                      <a:solidFill>
+                        <a:srgbClr val="000000"/>
+                      </a:solidFill>
+                      <a:prstDash val="solid"/>
+                      <a:round/>
+                      <a:headEnd type="none" w="med" len="med"/>
+                      <a:tailEnd type="none" w="med" len="med"/>
+                    </a:lnL>
+                    <a:lnR w="6350" cap="flat" cmpd="sng" algn="ctr">
+                      <a:solidFill>
+                        <a:srgbClr val="000000"/>
+                      </a:solidFill>
+                      <a:prstDash val="solid"/>
+                      <a:round/>
+                      <a:headEnd type="none" w="med" len="med"/>
+                      <a:tailEnd type="none" w="med" len="med"/>
+                    </a:lnR>
+                    <a:lnT w="6350" cap="flat" cmpd="sng" algn="ctr">
+                      <a:solidFill>
+                        <a:srgbClr val="000000"/>
+                      </a:solidFill>
+                      <a:prstDash val="solid"/>
+                      <a:round/>
+                      <a:headEnd type="none" w="med" len="med"/>
+                      <a:tailEnd type="none" w="med" len="med"/>
+                    </a:lnT>
+                    <a:lnB w="6350" cap="flat" cmpd="sng" algn="ctr">
+                      <a:solidFill>
+                        <a:srgbClr val="000000"/>
+                      </a:solidFill>
+                      <a:prstDash val="solid"/>
+                      <a:round/>
+                      <a:headEnd type="none" w="med" len="med"/>
+                      <a:tailEnd type="none" w="med" len="med"/>
+                    </a:lnB>
+                  </a:tcPr>
+                </a:tc>
+                <a:tc>
+                  <a:txBody>
+                    <a:bodyPr/>
+                    <a:lstStyle/>
+                    <a:p>
+                      <a:pPr algn="l" fontAlgn="ctr"/>
+                      <a:r>
+                        <a:rPr lang="en-US" sz="1200" b="0" i="0" u="none" strike="noStrike">
+                          <a:solidFill>
+                            <a:srgbClr val="000000"/>
+                          </a:solidFill>
+                          <a:latin typeface="Times New Roman" pitchFamily="18" charset="0"/>
+                          <a:ea typeface="標楷體" pitchFamily="65" charset="-120"/>
+                          <a:cs typeface="Times New Roman" pitchFamily="18" charset="0"/>
+                        </a:rPr>
+                        <a:t>string</a:t>
+                      </a:r>
+                    </a:p>
+                  </a:txBody>
+                  <a:tcPr marL="7620" marR="7620" marT="7620" marB="0" anchor="ctr">
+                    <a:lnL w="6350" cap="flat" cmpd="sng" algn="ctr">
+                      <a:solidFill>
+                        <a:srgbClr val="000000"/>
+                      </a:solidFill>
+                      <a:prstDash val="solid"/>
+                      <a:round/>
+                      <a:headEnd type="none" w="med" len="med"/>
+                      <a:tailEnd type="none" w="med" len="med"/>
+                    </a:lnL>
+                    <a:lnR w="6350" cap="flat" cmpd="sng" algn="ctr">
+                      <a:solidFill>
+                        <a:srgbClr val="000000"/>
+                      </a:solidFill>
+                      <a:prstDash val="solid"/>
+                      <a:round/>
+                      <a:headEnd type="none" w="med" len="med"/>
+                      <a:tailEnd type="none" w="med" len="med"/>
+                    </a:lnR>
+                    <a:lnT w="6350" cap="flat" cmpd="sng" algn="ctr">
+                      <a:solidFill>
+                        <a:srgbClr val="000000"/>
+                      </a:solidFill>
+                      <a:prstDash val="solid"/>
+                      <a:round/>
+                      <a:headEnd type="none" w="med" len="med"/>
+                      <a:tailEnd type="none" w="med" len="med"/>
+                    </a:lnT>
+                    <a:lnB w="6350" cap="flat" cmpd="sng" algn="ctr">
+                      <a:solidFill>
+                        <a:srgbClr val="000000"/>
+                      </a:solidFill>
+                      <a:prstDash val="solid"/>
+                      <a:round/>
+                      <a:headEnd type="none" w="med" len="med"/>
+                      <a:tailEnd type="none" w="med" len="med"/>
+                    </a:lnB>
+                  </a:tcPr>
+                </a:tc>
+                <a:tc>
+                  <a:txBody>
+                    <a:bodyPr/>
+                    <a:lstStyle/>
+                    <a:p>
+                      <a:pPr algn="l" fontAlgn="ctr"/>
+                      <a:r>
+                        <a:rPr lang="en-US" sz="1200" b="0" i="0" u="none" strike="noStrike">
+                          <a:solidFill>
+                            <a:srgbClr val="000000"/>
+                          </a:solidFill>
+                          <a:latin typeface="Times New Roman" pitchFamily="18" charset="0"/>
+                          <a:ea typeface="標楷體" pitchFamily="65" charset="-120"/>
+                          <a:cs typeface="Times New Roman" pitchFamily="18" charset="0"/>
+                        </a:rPr>
+                        <a:t>v</a:t>
+                      </a:r>
+                    </a:p>
+                  </a:txBody>
+                  <a:tcPr marL="7620" marR="7620" marT="7620" marB="0" anchor="ctr">
+                    <a:lnL w="6350" cap="flat" cmpd="sng" algn="ctr">
+                      <a:solidFill>
+                        <a:srgbClr val="000000"/>
+                      </a:solidFill>
+                      <a:prstDash val="solid"/>
+                      <a:round/>
+                      <a:headEnd type="none" w="med" len="med"/>
+                      <a:tailEnd type="none" w="med" len="med"/>
+                    </a:lnL>
+                    <a:lnR w="6350" cap="flat" cmpd="sng" algn="ctr">
+                      <a:solidFill>
+                        <a:srgbClr val="000000"/>
+                      </a:solidFill>
+                      <a:prstDash val="solid"/>
+                      <a:round/>
+                      <a:headEnd type="none" w="med" len="med"/>
+                      <a:tailEnd type="none" w="med" len="med"/>
+                    </a:lnR>
+                    <a:lnT w="6350" cap="flat" cmpd="sng" algn="ctr">
+                      <a:solidFill>
+                        <a:srgbClr val="000000"/>
+                      </a:solidFill>
+                      <a:prstDash val="solid"/>
+                      <a:round/>
+                      <a:headEnd type="none" w="med" len="med"/>
+                      <a:tailEnd type="none" w="med" len="med"/>
+                    </a:lnT>
+                    <a:lnB w="6350" cap="flat" cmpd="sng" algn="ctr">
+                      <a:solidFill>
+                        <a:srgbClr val="000000"/>
+                      </a:solidFill>
+                      <a:prstDash val="solid"/>
+                      <a:round/>
+                      <a:headEnd type="none" w="med" len="med"/>
+                      <a:tailEnd type="none" w="med" len="med"/>
+                    </a:lnB>
+                  </a:tcPr>
+                </a:tc>
+              </a:tr>
+              <a:tr h="205740">
+                <a:tc>
+                  <a:txBody>
+                    <a:bodyPr/>
+                    <a:lstStyle/>
+                    <a:p>
+                      <a:pPr algn="l" fontAlgn="ctr"/>
+                      <a:r>
+                        <a:rPr lang="en-US" sz="1200" b="0" i="0" u="none" strike="noStrike">
+                          <a:solidFill>
+                            <a:srgbClr val="000000"/>
+                          </a:solidFill>
+                          <a:latin typeface="Times New Roman" pitchFamily="18" charset="0"/>
+                          <a:ea typeface="標楷體" pitchFamily="65" charset="-120"/>
+                          <a:cs typeface="Times New Roman" pitchFamily="18" charset="0"/>
+                        </a:rPr>
+                        <a:t>created_at</a:t>
+                      </a:r>
+                    </a:p>
+                  </a:txBody>
+                  <a:tcPr marL="7620" marR="7620" marT="7620" marB="0" anchor="ctr">
+                    <a:lnL w="6350" cap="flat" cmpd="sng" algn="ctr">
+                      <a:solidFill>
+                        <a:srgbClr val="000000"/>
+                      </a:solidFill>
+                      <a:prstDash val="solid"/>
+                      <a:round/>
+                      <a:headEnd type="none" w="med" len="med"/>
+                      <a:tailEnd type="none" w="med" len="med"/>
+                    </a:lnL>
+                    <a:lnR w="6350" cap="flat" cmpd="sng" algn="ctr">
+                      <a:solidFill>
+                        <a:srgbClr val="000000"/>
+                      </a:solidFill>
+                      <a:prstDash val="solid"/>
+                      <a:round/>
+                      <a:headEnd type="none" w="med" len="med"/>
+                      <a:tailEnd type="none" w="med" len="med"/>
+                    </a:lnR>
+                    <a:lnT w="6350" cap="flat" cmpd="sng" algn="ctr">
+                      <a:solidFill>
+                        <a:srgbClr val="000000"/>
+                      </a:solidFill>
+                      <a:prstDash val="solid"/>
+                      <a:round/>
+                      <a:headEnd type="none" w="med" len="med"/>
+                      <a:tailEnd type="none" w="med" len="med"/>
+                    </a:lnT>
+                    <a:lnB w="6350" cap="flat" cmpd="sng" algn="ctr">
+                      <a:solidFill>
+                        <a:srgbClr val="000000"/>
+                      </a:solidFill>
+                      <a:prstDash val="solid"/>
+                      <a:round/>
+                      <a:headEnd type="none" w="med" len="med"/>
+                      <a:tailEnd type="none" w="med" len="med"/>
+                    </a:lnB>
+                  </a:tcPr>
+                </a:tc>
+                <a:tc>
+                  <a:txBody>
+                    <a:bodyPr/>
+                    <a:lstStyle/>
+                    <a:p>
+                      <a:pPr algn="l" fontAlgn="ctr"/>
+                      <a:r>
+                        <a:rPr lang="en-US" sz="1200" b="0" i="0" u="none" strike="noStrike">
+                          <a:solidFill>
+                            <a:srgbClr val="000000"/>
+                          </a:solidFill>
+                          <a:latin typeface="Times New Roman" pitchFamily="18" charset="0"/>
+                          <a:ea typeface="標楷體" pitchFamily="65" charset="-120"/>
+                          <a:cs typeface="Times New Roman" pitchFamily="18" charset="0"/>
+                        </a:rPr>
+                        <a:t>timestamps</a:t>
+                      </a:r>
+                    </a:p>
+                  </a:txBody>
+                  <a:tcPr marL="7620" marR="7620" marT="7620" marB="0" anchor="ctr">
+                    <a:lnL w="6350" cap="flat" cmpd="sng" algn="ctr">
+                      <a:solidFill>
+                        <a:srgbClr val="000000"/>
+                      </a:solidFill>
+                      <a:prstDash val="solid"/>
+                      <a:round/>
+                      <a:headEnd type="none" w="med" len="med"/>
+                      <a:tailEnd type="none" w="med" len="med"/>
+                    </a:lnL>
+                    <a:lnR w="6350" cap="flat" cmpd="sng" algn="ctr">
+                      <a:solidFill>
+                        <a:srgbClr val="000000"/>
+                      </a:solidFill>
+                      <a:prstDash val="solid"/>
+                      <a:round/>
+                      <a:headEnd type="none" w="med" len="med"/>
+                      <a:tailEnd type="none" w="med" len="med"/>
+                    </a:lnR>
+                    <a:lnT w="6350" cap="flat" cmpd="sng" algn="ctr">
+                      <a:solidFill>
+                        <a:srgbClr val="000000"/>
+                      </a:solidFill>
+                      <a:prstDash val="solid"/>
+                      <a:round/>
+                      <a:headEnd type="none" w="med" len="med"/>
+                      <a:tailEnd type="none" w="med" len="med"/>
+                    </a:lnT>
+                    <a:lnB w="6350" cap="flat" cmpd="sng" algn="ctr">
+                      <a:solidFill>
+                        <a:srgbClr val="000000"/>
+                      </a:solidFill>
+                      <a:prstDash val="solid"/>
+                      <a:round/>
+                      <a:headEnd type="none" w="med" len="med"/>
+                      <a:tailEnd type="none" w="med" len="med"/>
+                    </a:lnB>
+                  </a:tcPr>
+                </a:tc>
+                <a:tc>
+                  <a:txBody>
+                    <a:bodyPr/>
+                    <a:lstStyle/>
+                    <a:p>
+                      <a:pPr algn="l" fontAlgn="ctr"/>
+                      <a:r>
+                        <a:rPr lang="zh-TW" altLang="en-US" sz="1200" b="0" i="0" u="none" strike="noStrike">
+                          <a:solidFill>
+                            <a:srgbClr val="000000"/>
+                          </a:solidFill>
+                          <a:latin typeface="Times New Roman" pitchFamily="18" charset="0"/>
+                          <a:ea typeface="標楷體" pitchFamily="65" charset="-120"/>
+                          <a:cs typeface="Times New Roman" pitchFamily="18" charset="0"/>
+                        </a:rPr>
+                        <a:t>　</a:t>
+                      </a:r>
+                    </a:p>
+                  </a:txBody>
+                  <a:tcPr marL="7620" marR="7620" marT="7620" marB="0" anchor="ctr">
+                    <a:lnL w="6350" cap="flat" cmpd="sng" algn="ctr">
+                      <a:solidFill>
+                        <a:srgbClr val="000000"/>
+                      </a:solidFill>
+                      <a:prstDash val="solid"/>
+                      <a:round/>
+                      <a:headEnd type="none" w="med" len="med"/>
+                      <a:tailEnd type="none" w="med" len="med"/>
+                    </a:lnL>
+                    <a:lnR w="6350" cap="flat" cmpd="sng" algn="ctr">
+                      <a:solidFill>
+                        <a:srgbClr val="000000"/>
+                      </a:solidFill>
+                      <a:prstDash val="solid"/>
+                      <a:round/>
+                      <a:headEnd type="none" w="med" len="med"/>
+                      <a:tailEnd type="none" w="med" len="med"/>
+                    </a:lnR>
+                    <a:lnT w="6350" cap="flat" cmpd="sng" algn="ctr">
+                      <a:solidFill>
+                        <a:srgbClr val="000000"/>
+                      </a:solidFill>
+                      <a:prstDash val="solid"/>
+                      <a:round/>
+                      <a:headEnd type="none" w="med" len="med"/>
+                      <a:tailEnd type="none" w="med" len="med"/>
+                    </a:lnT>
+                    <a:lnB w="6350" cap="flat" cmpd="sng" algn="ctr">
+                      <a:solidFill>
+                        <a:srgbClr val="000000"/>
+                      </a:solidFill>
+                      <a:prstDash val="solid"/>
+                      <a:round/>
+                      <a:headEnd type="none" w="med" len="med"/>
+                      <a:tailEnd type="none" w="med" len="med"/>
+                    </a:lnB>
+                  </a:tcPr>
+                </a:tc>
+              </a:tr>
+              <a:tr h="205740">
+                <a:tc>
+                  <a:txBody>
+                    <a:bodyPr/>
+                    <a:lstStyle/>
+                    <a:p>
+                      <a:pPr algn="l" fontAlgn="ctr"/>
+                      <a:r>
+                        <a:rPr lang="en-US" sz="1200" b="0" i="0" u="none" strike="noStrike">
+                          <a:solidFill>
+                            <a:srgbClr val="000000"/>
+                          </a:solidFill>
+                          <a:latin typeface="Times New Roman" pitchFamily="18" charset="0"/>
+                          <a:ea typeface="標楷體" pitchFamily="65" charset="-120"/>
+                          <a:cs typeface="Times New Roman" pitchFamily="18" charset="0"/>
+                        </a:rPr>
+                        <a:t>updated_at</a:t>
+                      </a:r>
+                    </a:p>
+                  </a:txBody>
+                  <a:tcPr marL="7620" marR="7620" marT="7620" marB="0" anchor="ctr">
+                    <a:lnL w="6350" cap="flat" cmpd="sng" algn="ctr">
+                      <a:solidFill>
+                        <a:srgbClr val="000000"/>
+                      </a:solidFill>
+                      <a:prstDash val="solid"/>
+                      <a:round/>
+                      <a:headEnd type="none" w="med" len="med"/>
+                      <a:tailEnd type="none" w="med" len="med"/>
+                    </a:lnL>
+                    <a:lnR w="6350" cap="flat" cmpd="sng" algn="ctr">
+                      <a:solidFill>
+                        <a:srgbClr val="000000"/>
+                      </a:solidFill>
+                      <a:prstDash val="solid"/>
+                      <a:round/>
+                      <a:headEnd type="none" w="med" len="med"/>
+                      <a:tailEnd type="none" w="med" len="med"/>
+                    </a:lnR>
+                    <a:lnT w="6350" cap="flat" cmpd="sng" algn="ctr">
+                      <a:solidFill>
+                        <a:srgbClr val="000000"/>
+                      </a:solidFill>
+                      <a:prstDash val="solid"/>
+                      <a:round/>
+                      <a:headEnd type="none" w="med" len="med"/>
+                      <a:tailEnd type="none" w="med" len="med"/>
+                    </a:lnT>
+                    <a:lnB w="6350" cap="flat" cmpd="sng" algn="ctr">
+                      <a:solidFill>
+                        <a:srgbClr val="000000"/>
+                      </a:solidFill>
+                      <a:prstDash val="solid"/>
+                      <a:round/>
+                      <a:headEnd type="none" w="med" len="med"/>
+                      <a:tailEnd type="none" w="med" len="med"/>
+                    </a:lnB>
+                  </a:tcPr>
+                </a:tc>
+                <a:tc>
+                  <a:txBody>
+                    <a:bodyPr/>
+                    <a:lstStyle/>
+                    <a:p>
+                      <a:pPr algn="l" fontAlgn="ctr"/>
+                      <a:r>
+                        <a:rPr lang="en-US" sz="1200" b="0" i="0" u="none" strike="noStrike">
+                          <a:solidFill>
+                            <a:srgbClr val="000000"/>
+                          </a:solidFill>
+                          <a:latin typeface="Times New Roman" pitchFamily="18" charset="0"/>
+                          <a:ea typeface="標楷體" pitchFamily="65" charset="-120"/>
+                          <a:cs typeface="Times New Roman" pitchFamily="18" charset="0"/>
+                        </a:rPr>
+                        <a:t>timestamps</a:t>
+                      </a:r>
+                    </a:p>
+                  </a:txBody>
+                  <a:tcPr marL="7620" marR="7620" marT="7620" marB="0" anchor="ctr">
+                    <a:lnL w="6350" cap="flat" cmpd="sng" algn="ctr">
+                      <a:solidFill>
+                        <a:srgbClr val="000000"/>
+                      </a:solidFill>
+                      <a:prstDash val="solid"/>
+                      <a:round/>
+                      <a:headEnd type="none" w="med" len="med"/>
+                      <a:tailEnd type="none" w="med" len="med"/>
+                    </a:lnL>
+                    <a:lnR w="6350" cap="flat" cmpd="sng" algn="ctr">
+                      <a:solidFill>
+                        <a:srgbClr val="000000"/>
+                      </a:solidFill>
+                      <a:prstDash val="solid"/>
+                      <a:round/>
+                      <a:headEnd type="none" w="med" len="med"/>
+                      <a:tailEnd type="none" w="med" len="med"/>
+                    </a:lnR>
+                    <a:lnT w="6350" cap="flat" cmpd="sng" algn="ctr">
+                      <a:solidFill>
+                        <a:srgbClr val="000000"/>
+                      </a:solidFill>
+                      <a:prstDash val="solid"/>
+                      <a:round/>
+                      <a:headEnd type="none" w="med" len="med"/>
+                      <a:tailEnd type="none" w="med" len="med"/>
+                    </a:lnT>
+                    <a:lnB w="6350" cap="flat" cmpd="sng" algn="ctr">
+                      <a:solidFill>
+                        <a:srgbClr val="000000"/>
+                      </a:solidFill>
+                      <a:prstDash val="solid"/>
+                      <a:round/>
+                      <a:headEnd type="none" w="med" len="med"/>
+                      <a:tailEnd type="none" w="med" len="med"/>
+                    </a:lnB>
+                  </a:tcPr>
+                </a:tc>
+                <a:tc>
+                  <a:txBody>
+                    <a:bodyPr/>
+                    <a:lstStyle/>
+                    <a:p>
+                      <a:pPr algn="l" fontAlgn="ctr"/>
+                      <a:r>
+                        <a:rPr lang="zh-TW" altLang="en-US" sz="1200" b="0" i="0" u="none" strike="noStrike" dirty="0">
+                          <a:solidFill>
+                            <a:srgbClr val="000000"/>
+                          </a:solidFill>
+                          <a:latin typeface="Times New Roman" pitchFamily="18" charset="0"/>
+                          <a:ea typeface="標楷體" pitchFamily="65" charset="-120"/>
+                          <a:cs typeface="Times New Roman" pitchFamily="18" charset="0"/>
+                        </a:rPr>
+                        <a:t>　</a:t>
+                      </a:r>
+                    </a:p>
+                  </a:txBody>
+                  <a:tcPr marL="7620" marR="7620" marT="7620" marB="0" anchor="ctr">
+                    <a:lnL w="6350" cap="flat" cmpd="sng" algn="ctr">
+                      <a:solidFill>
+                        <a:srgbClr val="000000"/>
+                      </a:solidFill>
+                      <a:prstDash val="solid"/>
+                      <a:round/>
+                      <a:headEnd type="none" w="med" len="med"/>
+                      <a:tailEnd type="none" w="med" len="med"/>
+                    </a:lnL>
+                    <a:lnR w="6350" cap="flat" cmpd="sng" algn="ctr">
+                      <a:solidFill>
+                        <a:srgbClr val="000000"/>
+                      </a:solidFill>
+                      <a:prstDash val="solid"/>
+                      <a:round/>
+                      <a:headEnd type="none" w="med" len="med"/>
+                      <a:tailEnd type="none" w="med" len="med"/>
+                    </a:lnR>
+                    <a:lnT w="6350" cap="flat" cmpd="sng" algn="ctr">
+                      <a:solidFill>
+                        <a:srgbClr val="000000"/>
+                      </a:solidFill>
+                      <a:prstDash val="solid"/>
+                      <a:round/>
+                      <a:headEnd type="none" w="med" len="med"/>
+                      <a:tailEnd type="none" w="med" len="med"/>
+                    </a:lnT>
+                    <a:lnB w="6350" cap="flat" cmpd="sng" algn="ctr">
+                      <a:solidFill>
+                        <a:srgbClr val="000000"/>
+                      </a:solidFill>
+                      <a:prstDash val="solid"/>
+                      <a:round/>
+                      <a:headEnd type="none" w="med" len="med"/>
+                      <a:tailEnd type="none" w="med" len="med"/>
+                    </a:lnB>
+                  </a:tcPr>
+                </a:tc>
+              </a:tr>
+            </a:tbl>
+          </a:graphicData>
+        </a:graphic>
+      </p:graphicFrame>
+      <p:graphicFrame>
+        <p:nvGraphicFramePr>
+          <p:cNvPr id="6" name="表格 5"/>
+          <p:cNvGraphicFramePr>
+            <a:graphicFrameLocks noGrp="1"/>
+          </p:cNvGraphicFramePr>
+          <p:nvPr/>
+        </p:nvGraphicFramePr>
+        <p:xfrm>
+          <a:off x="2928926" y="1714488"/>
+          <a:ext cx="2407920" cy="2057400"/>
+        </p:xfrm>
+        <a:graphic>
+          <a:graphicData uri="http://schemas.openxmlformats.org/drawingml/2006/table">
+            <a:tbl>
+              <a:tblPr/>
+              <a:tblGrid>
+                <a:gridCol w="853440"/>
+                <a:gridCol w="853440"/>
+                <a:gridCol w="701040"/>
+              </a:tblGrid>
+              <a:tr h="205740">
+                <a:tc gridSpan="3">
+                  <a:txBody>
+                    <a:bodyPr/>
+                    <a:lstStyle/>
+                    <a:p>
+                      <a:pPr algn="ctr" fontAlgn="ctr"/>
+                      <a:r>
+                        <a:rPr lang="en-US" sz="1200" b="0" i="0" u="none" strike="noStrike" dirty="0">
+                          <a:solidFill>
+                            <a:srgbClr val="000000"/>
+                          </a:solidFill>
+                          <a:latin typeface="Times New Roman" pitchFamily="18" charset="0"/>
+                          <a:ea typeface="標楷體" pitchFamily="65" charset="-120"/>
+                          <a:cs typeface="Times New Roman" pitchFamily="18" charset="0"/>
+                        </a:rPr>
+                        <a:t>article</a:t>
+                      </a:r>
+                    </a:p>
+                  </a:txBody>
+                  <a:tcPr marL="7620" marR="7620" marT="7620" marB="0" anchor="ctr">
+                    <a:lnL w="6350" cap="flat" cmpd="sng" algn="ctr">
+                      <a:solidFill>
+                        <a:srgbClr val="000000"/>
+                      </a:solidFill>
+                      <a:prstDash val="solid"/>
+                      <a:round/>
+                      <a:headEnd type="none" w="med" len="med"/>
+                      <a:tailEnd type="none" w="med" len="med"/>
+                    </a:lnL>
+                    <a:lnR w="6350" cap="flat" cmpd="sng" algn="ctr">
+                      <a:solidFill>
+                        <a:srgbClr val="000000"/>
+                      </a:solidFill>
+                      <a:prstDash val="solid"/>
+                      <a:round/>
+                      <a:headEnd type="none" w="med" len="med"/>
+                      <a:tailEnd type="none" w="med" len="med"/>
+                    </a:lnR>
+                    <a:lnT w="6350" cap="flat" cmpd="sng" algn="ctr">
+                      <a:solidFill>
+                        <a:srgbClr val="000000"/>
+                      </a:solidFill>
+                      <a:prstDash val="solid"/>
+                      <a:round/>
+                      <a:headEnd type="none" w="med" len="med"/>
+                      <a:tailEnd type="none" w="med" len="med"/>
+                    </a:lnT>
+                    <a:lnB w="6350" cap="flat" cmpd="sng" algn="ctr">
+                      <a:solidFill>
+                        <a:srgbClr val="000000"/>
+                      </a:solidFill>
+                      <a:prstDash val="solid"/>
+                      <a:round/>
+                      <a:headEnd type="none" w="med" len="med"/>
+                      <a:tailEnd type="none" w="med" len="med"/>
+                    </a:lnB>
+                  </a:tcPr>
+                </a:tc>
+                <a:tc hMerge="1">
+                  <a:txBody>
+                    <a:bodyPr/>
+                    <a:lstStyle/>
+                    <a:p>
+                      <a:endParaRPr lang="zh-TW" altLang="en-US"/>
+                    </a:p>
+                  </a:txBody>
+                  <a:tcPr/>
+                </a:tc>
+                <a:tc hMerge="1">
+                  <a:txBody>
+                    <a:bodyPr/>
+                    <a:lstStyle/>
+                    <a:p>
+                      <a:endParaRPr lang="zh-TW" altLang="en-US"/>
+                    </a:p>
+                  </a:txBody>
+                  <a:tcPr/>
+                </a:tc>
+              </a:tr>
+              <a:tr h="205740">
+                <a:tc>
+                  <a:txBody>
+                    <a:bodyPr/>
+                    <a:lstStyle/>
+                    <a:p>
+                      <a:pPr algn="l" fontAlgn="ctr"/>
+                      <a:r>
+                        <a:rPr lang="zh-TW" altLang="en-US" sz="1200" b="0" i="0" u="none" strike="noStrike" dirty="0">
+                          <a:solidFill>
+                            <a:srgbClr val="000000"/>
+                          </a:solidFill>
+                          <a:latin typeface="Times New Roman" pitchFamily="18" charset="0"/>
+                          <a:ea typeface="標楷體" pitchFamily="65" charset="-120"/>
+                          <a:cs typeface="Times New Roman" pitchFamily="18" charset="0"/>
+                        </a:rPr>
+                        <a:t>欄位</a:t>
+                      </a:r>
+                    </a:p>
+                  </a:txBody>
+                  <a:tcPr marL="7620" marR="7620" marT="7620" marB="0" anchor="ctr">
+                    <a:lnL w="6350" cap="flat" cmpd="sng" algn="ctr">
+                      <a:solidFill>
+                        <a:srgbClr val="000000"/>
+                      </a:solidFill>
+                      <a:prstDash val="solid"/>
+                      <a:round/>
+                      <a:headEnd type="none" w="med" len="med"/>
+                      <a:tailEnd type="none" w="med" len="med"/>
+                    </a:lnL>
+                    <a:lnR w="6350" cap="flat" cmpd="sng" algn="ctr">
+                      <a:solidFill>
+                        <a:srgbClr val="000000"/>
+                      </a:solidFill>
+                      <a:prstDash val="solid"/>
+                      <a:round/>
+                      <a:headEnd type="none" w="med" len="med"/>
+                      <a:tailEnd type="none" w="med" len="med"/>
+                    </a:lnR>
+                    <a:lnT w="6350" cap="flat" cmpd="sng" algn="ctr">
+                      <a:solidFill>
+                        <a:srgbClr val="000000"/>
+                      </a:solidFill>
+                      <a:prstDash val="solid"/>
+                      <a:round/>
+                      <a:headEnd type="none" w="med" len="med"/>
+                      <a:tailEnd type="none" w="med" len="med"/>
+                    </a:lnT>
+                    <a:lnB w="6350" cap="flat" cmpd="sng" algn="ctr">
+                      <a:solidFill>
+                        <a:srgbClr val="000000"/>
+                      </a:solidFill>
+                      <a:prstDash val="solid"/>
+                      <a:round/>
+                      <a:headEnd type="none" w="med" len="med"/>
+                      <a:tailEnd type="none" w="med" len="med"/>
+                    </a:lnB>
+                  </a:tcPr>
+                </a:tc>
+                <a:tc>
+                  <a:txBody>
+                    <a:bodyPr/>
+                    <a:lstStyle/>
+                    <a:p>
+                      <a:pPr algn="l" fontAlgn="ctr"/>
+                      <a:r>
+                        <a:rPr lang="zh-TW" altLang="en-US" sz="1200" b="0" i="0" u="none" strike="noStrike">
+                          <a:solidFill>
+                            <a:srgbClr val="000000"/>
+                          </a:solidFill>
+                          <a:latin typeface="Times New Roman" pitchFamily="18" charset="0"/>
+                          <a:ea typeface="標楷體" pitchFamily="65" charset="-120"/>
+                          <a:cs typeface="Times New Roman" pitchFamily="18" charset="0"/>
+                        </a:rPr>
+                        <a:t>類型</a:t>
+                      </a:r>
+                    </a:p>
+                  </a:txBody>
+                  <a:tcPr marL="7620" marR="7620" marT="7620" marB="0" anchor="ctr">
+                    <a:lnL w="6350" cap="flat" cmpd="sng" algn="ctr">
+                      <a:solidFill>
+                        <a:srgbClr val="000000"/>
+                      </a:solidFill>
+                      <a:prstDash val="solid"/>
+                      <a:round/>
+                      <a:headEnd type="none" w="med" len="med"/>
+                      <a:tailEnd type="none" w="med" len="med"/>
+                    </a:lnL>
+                    <a:lnR w="6350" cap="flat" cmpd="sng" algn="ctr">
+                      <a:solidFill>
+                        <a:srgbClr val="000000"/>
+                      </a:solidFill>
+                      <a:prstDash val="solid"/>
+                      <a:round/>
+                      <a:headEnd type="none" w="med" len="med"/>
+                      <a:tailEnd type="none" w="med" len="med"/>
+                    </a:lnR>
+                    <a:lnT w="6350" cap="flat" cmpd="sng" algn="ctr">
+                      <a:solidFill>
+                        <a:srgbClr val="000000"/>
+                      </a:solidFill>
+                      <a:prstDash val="solid"/>
+                      <a:round/>
+                      <a:headEnd type="none" w="med" len="med"/>
+                      <a:tailEnd type="none" w="med" len="med"/>
+                    </a:lnT>
+                    <a:lnB w="6350" cap="flat" cmpd="sng" algn="ctr">
+                      <a:solidFill>
+                        <a:srgbClr val="000000"/>
+                      </a:solidFill>
+                      <a:prstDash val="solid"/>
+                      <a:round/>
+                      <a:headEnd type="none" w="med" len="med"/>
+                      <a:tailEnd type="none" w="med" len="med"/>
+                    </a:lnB>
+                  </a:tcPr>
+                </a:tc>
+                <a:tc>
+                  <a:txBody>
+                    <a:bodyPr/>
+                    <a:lstStyle/>
+                    <a:p>
+                      <a:pPr algn="l" fontAlgn="ctr"/>
+                      <a:r>
+                        <a:rPr lang="en-US" sz="1200" b="0" i="0" u="none" strike="noStrike">
+                          <a:solidFill>
+                            <a:srgbClr val="000000"/>
+                          </a:solidFill>
+                          <a:latin typeface="Times New Roman" pitchFamily="18" charset="0"/>
+                          <a:ea typeface="標楷體" pitchFamily="65" charset="-120"/>
+                          <a:cs typeface="Times New Roman" pitchFamily="18" charset="0"/>
+                        </a:rPr>
+                        <a:t>nullable</a:t>
+                      </a:r>
+                    </a:p>
+                  </a:txBody>
+                  <a:tcPr marL="7620" marR="7620" marT="7620" marB="0" anchor="ctr">
+                    <a:lnL w="6350" cap="flat" cmpd="sng" algn="ctr">
+                      <a:solidFill>
+                        <a:srgbClr val="000000"/>
+                      </a:solidFill>
+                      <a:prstDash val="solid"/>
+                      <a:round/>
+                      <a:headEnd type="none" w="med" len="med"/>
+                      <a:tailEnd type="none" w="med" len="med"/>
+                    </a:lnL>
+                    <a:lnR w="6350" cap="flat" cmpd="sng" algn="ctr">
+                      <a:solidFill>
+                        <a:srgbClr val="000000"/>
+                      </a:solidFill>
+                      <a:prstDash val="solid"/>
+                      <a:round/>
+                      <a:headEnd type="none" w="med" len="med"/>
+                      <a:tailEnd type="none" w="med" len="med"/>
+                    </a:lnR>
+                    <a:lnT w="6350" cap="flat" cmpd="sng" algn="ctr">
+                      <a:solidFill>
+                        <a:srgbClr val="000000"/>
+                      </a:solidFill>
+                      <a:prstDash val="solid"/>
+                      <a:round/>
+                      <a:headEnd type="none" w="med" len="med"/>
+                      <a:tailEnd type="none" w="med" len="med"/>
+                    </a:lnT>
+                    <a:lnB w="6350" cap="flat" cmpd="sng" algn="ctr">
+                      <a:solidFill>
+                        <a:srgbClr val="000000"/>
+                      </a:solidFill>
+                      <a:prstDash val="solid"/>
+                      <a:round/>
+                      <a:headEnd type="none" w="med" len="med"/>
+                      <a:tailEnd type="none" w="med" len="med"/>
+                    </a:lnB>
+                  </a:tcPr>
+                </a:tc>
+              </a:tr>
+              <a:tr h="205740">
+                <a:tc>
+                  <a:txBody>
+                    <a:bodyPr/>
+                    <a:lstStyle/>
+                    <a:p>
+                      <a:pPr algn="l" fontAlgn="ctr"/>
+                      <a:r>
+                        <a:rPr lang="en-US" sz="1200" b="0" i="0" u="none" strike="noStrike">
+                          <a:solidFill>
+                            <a:srgbClr val="000000"/>
+                          </a:solidFill>
+                          <a:latin typeface="Times New Roman" pitchFamily="18" charset="0"/>
+                          <a:ea typeface="標楷體" pitchFamily="65" charset="-120"/>
+                          <a:cs typeface="Times New Roman" pitchFamily="18" charset="0"/>
+                        </a:rPr>
+                        <a:t>id</a:t>
+                      </a:r>
+                    </a:p>
+                  </a:txBody>
+                  <a:tcPr marL="7620" marR="7620" marT="7620" marB="0" anchor="ctr">
+                    <a:lnL w="6350" cap="flat" cmpd="sng" algn="ctr">
+                      <a:solidFill>
+                        <a:srgbClr val="000000"/>
+                      </a:solidFill>
+                      <a:prstDash val="solid"/>
+                      <a:round/>
+                      <a:headEnd type="none" w="med" len="med"/>
+                      <a:tailEnd type="none" w="med" len="med"/>
+                    </a:lnL>
+                    <a:lnR w="6350" cap="flat" cmpd="sng" algn="ctr">
+                      <a:solidFill>
+                        <a:srgbClr val="000000"/>
+                      </a:solidFill>
+                      <a:prstDash val="solid"/>
+                      <a:round/>
+                      <a:headEnd type="none" w="med" len="med"/>
+                      <a:tailEnd type="none" w="med" len="med"/>
+                    </a:lnR>
+                    <a:lnT w="6350" cap="flat" cmpd="sng" algn="ctr">
+                      <a:solidFill>
+                        <a:srgbClr val="000000"/>
+                      </a:solidFill>
+                      <a:prstDash val="solid"/>
+                      <a:round/>
+                      <a:headEnd type="none" w="med" len="med"/>
+                      <a:tailEnd type="none" w="med" len="med"/>
+                    </a:lnT>
+                    <a:lnB w="6350" cap="flat" cmpd="sng" algn="ctr">
+                      <a:solidFill>
+                        <a:srgbClr val="000000"/>
+                      </a:solidFill>
+                      <a:prstDash val="solid"/>
+                      <a:round/>
+                      <a:headEnd type="none" w="med" len="med"/>
+                      <a:tailEnd type="none" w="med" len="med"/>
+                    </a:lnB>
+                  </a:tcPr>
+                </a:tc>
+                <a:tc>
+                  <a:txBody>
+                    <a:bodyPr/>
+                    <a:lstStyle/>
+                    <a:p>
+                      <a:pPr algn="l" fontAlgn="ctr"/>
+                      <a:r>
+                        <a:rPr lang="en-US" sz="1200" b="0" i="0" u="none" strike="noStrike">
+                          <a:solidFill>
+                            <a:srgbClr val="000000"/>
+                          </a:solidFill>
+                          <a:latin typeface="Times New Roman" pitchFamily="18" charset="0"/>
+                          <a:ea typeface="標楷體" pitchFamily="65" charset="-120"/>
+                          <a:cs typeface="Times New Roman" pitchFamily="18" charset="0"/>
+                        </a:rPr>
+                        <a:t>increments</a:t>
+                      </a:r>
+                    </a:p>
+                  </a:txBody>
+                  <a:tcPr marL="7620" marR="7620" marT="7620" marB="0" anchor="ctr">
+                    <a:lnL w="6350" cap="flat" cmpd="sng" algn="ctr">
+                      <a:solidFill>
+                        <a:srgbClr val="000000"/>
+                      </a:solidFill>
+                      <a:prstDash val="solid"/>
+                      <a:round/>
+                      <a:headEnd type="none" w="med" len="med"/>
+                      <a:tailEnd type="none" w="med" len="med"/>
+                    </a:lnL>
+                    <a:lnR w="6350" cap="flat" cmpd="sng" algn="ctr">
+                      <a:solidFill>
+                        <a:srgbClr val="000000"/>
+                      </a:solidFill>
+                      <a:prstDash val="solid"/>
+                      <a:round/>
+                      <a:headEnd type="none" w="med" len="med"/>
+                      <a:tailEnd type="none" w="med" len="med"/>
+                    </a:lnR>
+                    <a:lnT w="6350" cap="flat" cmpd="sng" algn="ctr">
+                      <a:solidFill>
+                        <a:srgbClr val="000000"/>
+                      </a:solidFill>
+                      <a:prstDash val="solid"/>
+                      <a:round/>
+                      <a:headEnd type="none" w="med" len="med"/>
+                      <a:tailEnd type="none" w="med" len="med"/>
+                    </a:lnT>
+                    <a:lnB w="6350" cap="flat" cmpd="sng" algn="ctr">
+                      <a:solidFill>
+                        <a:srgbClr val="000000"/>
+                      </a:solidFill>
+                      <a:prstDash val="solid"/>
+                      <a:round/>
+                      <a:headEnd type="none" w="med" len="med"/>
+                      <a:tailEnd type="none" w="med" len="med"/>
+                    </a:lnB>
+                  </a:tcPr>
+                </a:tc>
+                <a:tc>
+                  <a:txBody>
+                    <a:bodyPr/>
+                    <a:lstStyle/>
+                    <a:p>
+                      <a:pPr algn="l" fontAlgn="ctr"/>
+                      <a:r>
+                        <a:rPr lang="zh-TW" altLang="en-US" sz="1200" b="0" i="0" u="none" strike="noStrike">
+                          <a:solidFill>
+                            <a:srgbClr val="000000"/>
+                          </a:solidFill>
+                          <a:latin typeface="Times New Roman" pitchFamily="18" charset="0"/>
+                          <a:ea typeface="標楷體" pitchFamily="65" charset="-120"/>
+                          <a:cs typeface="Times New Roman" pitchFamily="18" charset="0"/>
+                        </a:rPr>
+                        <a:t>　</a:t>
+                      </a:r>
+                    </a:p>
+                  </a:txBody>
+                  <a:tcPr marL="7620" marR="7620" marT="7620" marB="0" anchor="ctr">
+                    <a:lnL w="6350" cap="flat" cmpd="sng" algn="ctr">
+                      <a:solidFill>
+                        <a:srgbClr val="000000"/>
+                      </a:solidFill>
+                      <a:prstDash val="solid"/>
+                      <a:round/>
+                      <a:headEnd type="none" w="med" len="med"/>
+                      <a:tailEnd type="none" w="med" len="med"/>
+                    </a:lnL>
+                    <a:lnR w="6350" cap="flat" cmpd="sng" algn="ctr">
+                      <a:solidFill>
+                        <a:srgbClr val="000000"/>
+                      </a:solidFill>
+                      <a:prstDash val="solid"/>
+                      <a:round/>
+                      <a:headEnd type="none" w="med" len="med"/>
+                      <a:tailEnd type="none" w="med" len="med"/>
+                    </a:lnR>
+                    <a:lnT w="6350" cap="flat" cmpd="sng" algn="ctr">
+                      <a:solidFill>
+                        <a:srgbClr val="000000"/>
+                      </a:solidFill>
+                      <a:prstDash val="solid"/>
+                      <a:round/>
+                      <a:headEnd type="none" w="med" len="med"/>
+                      <a:tailEnd type="none" w="med" len="med"/>
+                    </a:lnT>
+                    <a:lnB w="6350" cap="flat" cmpd="sng" algn="ctr">
+                      <a:solidFill>
+                        <a:srgbClr val="000000"/>
+                      </a:solidFill>
+                      <a:prstDash val="solid"/>
+                      <a:round/>
+                      <a:headEnd type="none" w="med" len="med"/>
+                      <a:tailEnd type="none" w="med" len="med"/>
+                    </a:lnB>
+                  </a:tcPr>
+                </a:tc>
+              </a:tr>
+              <a:tr h="205740">
+                <a:tc>
+                  <a:txBody>
+                    <a:bodyPr/>
+                    <a:lstStyle/>
+                    <a:p>
+                      <a:pPr algn="l" fontAlgn="ctr"/>
+                      <a:r>
+                        <a:rPr lang="en-US" sz="1200" b="0" i="0" u="none" strike="noStrike">
+                          <a:solidFill>
+                            <a:srgbClr val="000000"/>
+                          </a:solidFill>
+                          <a:latin typeface="Times New Roman" pitchFamily="18" charset="0"/>
+                          <a:ea typeface="標楷體" pitchFamily="65" charset="-120"/>
+                          <a:cs typeface="Times New Roman" pitchFamily="18" charset="0"/>
+                        </a:rPr>
+                        <a:t>class</a:t>
+                      </a:r>
+                    </a:p>
+                  </a:txBody>
+                  <a:tcPr marL="7620" marR="7620" marT="7620" marB="0" anchor="ctr">
+                    <a:lnL w="6350" cap="flat" cmpd="sng" algn="ctr">
+                      <a:solidFill>
+                        <a:srgbClr val="000000"/>
+                      </a:solidFill>
+                      <a:prstDash val="solid"/>
+                      <a:round/>
+                      <a:headEnd type="none" w="med" len="med"/>
+                      <a:tailEnd type="none" w="med" len="med"/>
+                    </a:lnL>
+                    <a:lnR w="6350" cap="flat" cmpd="sng" algn="ctr">
+                      <a:solidFill>
+                        <a:srgbClr val="000000"/>
+                      </a:solidFill>
+                      <a:prstDash val="solid"/>
+                      <a:round/>
+                      <a:headEnd type="none" w="med" len="med"/>
+                      <a:tailEnd type="none" w="med" len="med"/>
+                    </a:lnR>
+                    <a:lnT w="6350" cap="flat" cmpd="sng" algn="ctr">
+                      <a:solidFill>
+                        <a:srgbClr val="000000"/>
+                      </a:solidFill>
+                      <a:prstDash val="solid"/>
+                      <a:round/>
+                      <a:headEnd type="none" w="med" len="med"/>
+                      <a:tailEnd type="none" w="med" len="med"/>
+                    </a:lnT>
+                    <a:lnB w="6350" cap="flat" cmpd="sng" algn="ctr">
+                      <a:solidFill>
+                        <a:srgbClr val="000000"/>
+                      </a:solidFill>
+                      <a:prstDash val="solid"/>
+                      <a:round/>
+                      <a:headEnd type="none" w="med" len="med"/>
+                      <a:tailEnd type="none" w="med" len="med"/>
+                    </a:lnB>
+                  </a:tcPr>
+                </a:tc>
+                <a:tc>
+                  <a:txBody>
+                    <a:bodyPr/>
+                    <a:lstStyle/>
+                    <a:p>
+                      <a:pPr algn="l" fontAlgn="ctr"/>
+                      <a:r>
+                        <a:rPr lang="en-US" sz="1200" b="0" i="0" u="none" strike="noStrike">
+                          <a:solidFill>
+                            <a:srgbClr val="000000"/>
+                          </a:solidFill>
+                          <a:latin typeface="Times New Roman" pitchFamily="18" charset="0"/>
+                          <a:ea typeface="標楷體" pitchFamily="65" charset="-120"/>
+                          <a:cs typeface="Times New Roman" pitchFamily="18" charset="0"/>
+                        </a:rPr>
+                        <a:t>string</a:t>
+                      </a:r>
+                    </a:p>
+                  </a:txBody>
+                  <a:tcPr marL="7620" marR="7620" marT="7620" marB="0" anchor="ctr">
+                    <a:lnL w="6350" cap="flat" cmpd="sng" algn="ctr">
+                      <a:solidFill>
+                        <a:srgbClr val="000000"/>
+                      </a:solidFill>
+                      <a:prstDash val="solid"/>
+                      <a:round/>
+                      <a:headEnd type="none" w="med" len="med"/>
+                      <a:tailEnd type="none" w="med" len="med"/>
+                    </a:lnL>
+                    <a:lnR w="6350" cap="flat" cmpd="sng" algn="ctr">
+                      <a:solidFill>
+                        <a:srgbClr val="000000"/>
+                      </a:solidFill>
+                      <a:prstDash val="solid"/>
+                      <a:round/>
+                      <a:headEnd type="none" w="med" len="med"/>
+                      <a:tailEnd type="none" w="med" len="med"/>
+                    </a:lnR>
+                    <a:lnT w="6350" cap="flat" cmpd="sng" algn="ctr">
+                      <a:solidFill>
+                        <a:srgbClr val="000000"/>
+                      </a:solidFill>
+                      <a:prstDash val="solid"/>
+                      <a:round/>
+                      <a:headEnd type="none" w="med" len="med"/>
+                      <a:tailEnd type="none" w="med" len="med"/>
+                    </a:lnT>
+                    <a:lnB w="6350" cap="flat" cmpd="sng" algn="ctr">
+                      <a:solidFill>
+                        <a:srgbClr val="000000"/>
+                      </a:solidFill>
+                      <a:prstDash val="solid"/>
+                      <a:round/>
+                      <a:headEnd type="none" w="med" len="med"/>
+                      <a:tailEnd type="none" w="med" len="med"/>
+                    </a:lnB>
+                  </a:tcPr>
+                </a:tc>
+                <a:tc>
+                  <a:txBody>
+                    <a:bodyPr/>
+                    <a:lstStyle/>
+                    <a:p>
+                      <a:pPr algn="l" fontAlgn="ctr"/>
+                      <a:r>
+                        <a:rPr lang="en-US" sz="1200" b="0" i="0" u="none" strike="noStrike">
+                          <a:solidFill>
+                            <a:srgbClr val="000000"/>
+                          </a:solidFill>
+                          <a:latin typeface="Times New Roman" pitchFamily="18" charset="0"/>
+                          <a:ea typeface="標楷體" pitchFamily="65" charset="-120"/>
+                          <a:cs typeface="Times New Roman" pitchFamily="18" charset="0"/>
+                        </a:rPr>
+                        <a:t>v</a:t>
+                      </a:r>
+                    </a:p>
+                  </a:txBody>
+                  <a:tcPr marL="7620" marR="7620" marT="7620" marB="0" anchor="ctr">
+                    <a:lnL w="6350" cap="flat" cmpd="sng" algn="ctr">
+                      <a:solidFill>
+                        <a:srgbClr val="000000"/>
+                      </a:solidFill>
+                      <a:prstDash val="solid"/>
+                      <a:round/>
+                      <a:headEnd type="none" w="med" len="med"/>
+                      <a:tailEnd type="none" w="med" len="med"/>
+                    </a:lnL>
+                    <a:lnR w="6350" cap="flat" cmpd="sng" algn="ctr">
+                      <a:solidFill>
+                        <a:srgbClr val="000000"/>
+                      </a:solidFill>
+                      <a:prstDash val="solid"/>
+                      <a:round/>
+                      <a:headEnd type="none" w="med" len="med"/>
+                      <a:tailEnd type="none" w="med" len="med"/>
+                    </a:lnR>
+                    <a:lnT w="6350" cap="flat" cmpd="sng" algn="ctr">
+                      <a:solidFill>
+                        <a:srgbClr val="000000"/>
+                      </a:solidFill>
+                      <a:prstDash val="solid"/>
+                      <a:round/>
+                      <a:headEnd type="none" w="med" len="med"/>
+                      <a:tailEnd type="none" w="med" len="med"/>
+                    </a:lnT>
+                    <a:lnB w="6350" cap="flat" cmpd="sng" algn="ctr">
+                      <a:solidFill>
+                        <a:srgbClr val="000000"/>
+                      </a:solidFill>
+                      <a:prstDash val="solid"/>
+                      <a:round/>
+                      <a:headEnd type="none" w="med" len="med"/>
+                      <a:tailEnd type="none" w="med" len="med"/>
+                    </a:lnB>
+                  </a:tcPr>
+                </a:tc>
+              </a:tr>
+              <a:tr h="205740">
+                <a:tc>
+                  <a:txBody>
+                    <a:bodyPr/>
+                    <a:lstStyle/>
+                    <a:p>
+                      <a:pPr algn="l" fontAlgn="ctr"/>
+                      <a:r>
+                        <a:rPr lang="en-US" sz="1200" b="0" i="0" u="none" strike="noStrike">
+                          <a:solidFill>
+                            <a:srgbClr val="000000"/>
+                          </a:solidFill>
+                          <a:latin typeface="Times New Roman" pitchFamily="18" charset="0"/>
+                          <a:ea typeface="標楷體" pitchFamily="65" charset="-120"/>
+                          <a:cs typeface="Times New Roman" pitchFamily="18" charset="0"/>
+                        </a:rPr>
+                        <a:t>title</a:t>
+                      </a:r>
+                    </a:p>
+                  </a:txBody>
+                  <a:tcPr marL="7620" marR="7620" marT="7620" marB="0" anchor="ctr">
+                    <a:lnL w="6350" cap="flat" cmpd="sng" algn="ctr">
+                      <a:solidFill>
+                        <a:srgbClr val="000000"/>
+                      </a:solidFill>
+                      <a:prstDash val="solid"/>
+                      <a:round/>
+                      <a:headEnd type="none" w="med" len="med"/>
+                      <a:tailEnd type="none" w="med" len="med"/>
+                    </a:lnL>
+                    <a:lnR w="6350" cap="flat" cmpd="sng" algn="ctr">
+                      <a:solidFill>
+                        <a:srgbClr val="000000"/>
+                      </a:solidFill>
+                      <a:prstDash val="solid"/>
+                      <a:round/>
+                      <a:headEnd type="none" w="med" len="med"/>
+                      <a:tailEnd type="none" w="med" len="med"/>
+                    </a:lnR>
+                    <a:lnT w="6350" cap="flat" cmpd="sng" algn="ctr">
+                      <a:solidFill>
+                        <a:srgbClr val="000000"/>
+                      </a:solidFill>
+                      <a:prstDash val="solid"/>
+                      <a:round/>
+                      <a:headEnd type="none" w="med" len="med"/>
+                      <a:tailEnd type="none" w="med" len="med"/>
+                    </a:lnT>
+                    <a:lnB w="6350" cap="flat" cmpd="sng" algn="ctr">
+                      <a:solidFill>
+                        <a:srgbClr val="000000"/>
+                      </a:solidFill>
+                      <a:prstDash val="solid"/>
+                      <a:round/>
+                      <a:headEnd type="none" w="med" len="med"/>
+                      <a:tailEnd type="none" w="med" len="med"/>
+                    </a:lnB>
+                  </a:tcPr>
+                </a:tc>
+                <a:tc>
+                  <a:txBody>
+                    <a:bodyPr/>
+                    <a:lstStyle/>
+                    <a:p>
+                      <a:pPr algn="l" fontAlgn="ctr"/>
+                      <a:r>
+                        <a:rPr lang="en-US" sz="1200" b="0" i="0" u="none" strike="noStrike">
+                          <a:solidFill>
+                            <a:srgbClr val="000000"/>
+                          </a:solidFill>
+                          <a:latin typeface="Times New Roman" pitchFamily="18" charset="0"/>
+                          <a:ea typeface="標楷體" pitchFamily="65" charset="-120"/>
+                          <a:cs typeface="Times New Roman" pitchFamily="18" charset="0"/>
+                        </a:rPr>
+                        <a:t>string</a:t>
+                      </a:r>
+                    </a:p>
+                  </a:txBody>
+                  <a:tcPr marL="7620" marR="7620" marT="7620" marB="0" anchor="ctr">
+                    <a:lnL w="6350" cap="flat" cmpd="sng" algn="ctr">
+                      <a:solidFill>
+                        <a:srgbClr val="000000"/>
+                      </a:solidFill>
+                      <a:prstDash val="solid"/>
+                      <a:round/>
+                      <a:headEnd type="none" w="med" len="med"/>
+                      <a:tailEnd type="none" w="med" len="med"/>
+                    </a:lnL>
+                    <a:lnR w="6350" cap="flat" cmpd="sng" algn="ctr">
+                      <a:solidFill>
+                        <a:srgbClr val="000000"/>
+                      </a:solidFill>
+                      <a:prstDash val="solid"/>
+                      <a:round/>
+                      <a:headEnd type="none" w="med" len="med"/>
+                      <a:tailEnd type="none" w="med" len="med"/>
+                    </a:lnR>
+                    <a:lnT w="6350" cap="flat" cmpd="sng" algn="ctr">
+                      <a:solidFill>
+                        <a:srgbClr val="000000"/>
+                      </a:solidFill>
+                      <a:prstDash val="solid"/>
+                      <a:round/>
+                      <a:headEnd type="none" w="med" len="med"/>
+                      <a:tailEnd type="none" w="med" len="med"/>
+                    </a:lnT>
+                    <a:lnB w="6350" cap="flat" cmpd="sng" algn="ctr">
+                      <a:solidFill>
+                        <a:srgbClr val="000000"/>
+                      </a:solidFill>
+                      <a:prstDash val="solid"/>
+                      <a:round/>
+                      <a:headEnd type="none" w="med" len="med"/>
+                      <a:tailEnd type="none" w="med" len="med"/>
+                    </a:lnB>
+                  </a:tcPr>
+                </a:tc>
+                <a:tc>
+                  <a:txBody>
+                    <a:bodyPr/>
+                    <a:lstStyle/>
+                    <a:p>
+                      <a:pPr algn="l" fontAlgn="ctr"/>
+                      <a:r>
+                        <a:rPr lang="en-US" sz="1200" b="0" i="0" u="none" strike="noStrike">
+                          <a:solidFill>
+                            <a:srgbClr val="000000"/>
+                          </a:solidFill>
+                          <a:latin typeface="Times New Roman" pitchFamily="18" charset="0"/>
+                          <a:ea typeface="標楷體" pitchFamily="65" charset="-120"/>
+                          <a:cs typeface="Times New Roman" pitchFamily="18" charset="0"/>
+                        </a:rPr>
+                        <a:t>v</a:t>
+                      </a:r>
+                    </a:p>
+                  </a:txBody>
+                  <a:tcPr marL="7620" marR="7620" marT="7620" marB="0" anchor="ctr">
+                    <a:lnL w="6350" cap="flat" cmpd="sng" algn="ctr">
+                      <a:solidFill>
+                        <a:srgbClr val="000000"/>
+                      </a:solidFill>
+                      <a:prstDash val="solid"/>
+                      <a:round/>
+                      <a:headEnd type="none" w="med" len="med"/>
+                      <a:tailEnd type="none" w="med" len="med"/>
+                    </a:lnL>
+                    <a:lnR w="6350" cap="flat" cmpd="sng" algn="ctr">
+                      <a:solidFill>
+                        <a:srgbClr val="000000"/>
+                      </a:solidFill>
+                      <a:prstDash val="solid"/>
+                      <a:round/>
+                      <a:headEnd type="none" w="med" len="med"/>
+                      <a:tailEnd type="none" w="med" len="med"/>
+                    </a:lnR>
+                    <a:lnT w="6350" cap="flat" cmpd="sng" algn="ctr">
+                      <a:solidFill>
+                        <a:srgbClr val="000000"/>
+                      </a:solidFill>
+                      <a:prstDash val="solid"/>
+                      <a:round/>
+                      <a:headEnd type="none" w="med" len="med"/>
+                      <a:tailEnd type="none" w="med" len="med"/>
+                    </a:lnT>
+                    <a:lnB w="6350" cap="flat" cmpd="sng" algn="ctr">
+                      <a:solidFill>
+                        <a:srgbClr val="000000"/>
+                      </a:solidFill>
+                      <a:prstDash val="solid"/>
+                      <a:round/>
+                      <a:headEnd type="none" w="med" len="med"/>
+                      <a:tailEnd type="none" w="med" len="med"/>
+                    </a:lnB>
+                  </a:tcPr>
+                </a:tc>
+              </a:tr>
+              <a:tr h="205740">
+                <a:tc>
+                  <a:txBody>
+                    <a:bodyPr/>
+                    <a:lstStyle/>
+                    <a:p>
+                      <a:pPr algn="l" fontAlgn="ctr"/>
+                      <a:r>
+                        <a:rPr lang="en-US" sz="1200" b="0" i="0" u="none" strike="noStrike">
+                          <a:solidFill>
+                            <a:srgbClr val="000000"/>
+                          </a:solidFill>
+                          <a:latin typeface="Times New Roman" pitchFamily="18" charset="0"/>
+                          <a:ea typeface="標楷體" pitchFamily="65" charset="-120"/>
+                          <a:cs typeface="Times New Roman" pitchFamily="18" charset="0"/>
+                        </a:rPr>
+                        <a:t>context</a:t>
+                      </a:r>
+                    </a:p>
+                  </a:txBody>
+                  <a:tcPr marL="7620" marR="7620" marT="7620" marB="0" anchor="ctr">
+                    <a:lnL w="6350" cap="flat" cmpd="sng" algn="ctr">
+                      <a:solidFill>
+                        <a:srgbClr val="000000"/>
+                      </a:solidFill>
+                      <a:prstDash val="solid"/>
+                      <a:round/>
+                      <a:headEnd type="none" w="med" len="med"/>
+                      <a:tailEnd type="none" w="med" len="med"/>
+                    </a:lnL>
+                    <a:lnR w="6350" cap="flat" cmpd="sng" algn="ctr">
+                      <a:solidFill>
+                        <a:srgbClr val="000000"/>
+                      </a:solidFill>
+                      <a:prstDash val="solid"/>
+                      <a:round/>
+                      <a:headEnd type="none" w="med" len="med"/>
+                      <a:tailEnd type="none" w="med" len="med"/>
+                    </a:lnR>
+                    <a:lnT w="6350" cap="flat" cmpd="sng" algn="ctr">
+                      <a:solidFill>
+                        <a:srgbClr val="000000"/>
+                      </a:solidFill>
+                      <a:prstDash val="solid"/>
+                      <a:round/>
+                      <a:headEnd type="none" w="med" len="med"/>
+                      <a:tailEnd type="none" w="med" len="med"/>
+                    </a:lnT>
+                    <a:lnB w="6350" cap="flat" cmpd="sng" algn="ctr">
+                      <a:solidFill>
+                        <a:srgbClr val="000000"/>
+                      </a:solidFill>
+                      <a:prstDash val="solid"/>
+                      <a:round/>
+                      <a:headEnd type="none" w="med" len="med"/>
+                      <a:tailEnd type="none" w="med" len="med"/>
+                    </a:lnB>
+                  </a:tcPr>
+                </a:tc>
+                <a:tc>
+                  <a:txBody>
+                    <a:bodyPr/>
+                    <a:lstStyle/>
+                    <a:p>
+                      <a:pPr algn="l" fontAlgn="ctr"/>
+                      <a:r>
+                        <a:rPr lang="en-US" sz="1200" b="0" i="0" u="none" strike="noStrike">
+                          <a:solidFill>
+                            <a:srgbClr val="000000"/>
+                          </a:solidFill>
+                          <a:latin typeface="Times New Roman" pitchFamily="18" charset="0"/>
+                          <a:ea typeface="標楷體" pitchFamily="65" charset="-120"/>
+                          <a:cs typeface="Times New Roman" pitchFamily="18" charset="0"/>
+                        </a:rPr>
+                        <a:t>string</a:t>
+                      </a:r>
+                    </a:p>
+                  </a:txBody>
+                  <a:tcPr marL="7620" marR="7620" marT="7620" marB="0" anchor="ctr">
+                    <a:lnL w="6350" cap="flat" cmpd="sng" algn="ctr">
+                      <a:solidFill>
+                        <a:srgbClr val="000000"/>
+                      </a:solidFill>
+                      <a:prstDash val="solid"/>
+                      <a:round/>
+                      <a:headEnd type="none" w="med" len="med"/>
+                      <a:tailEnd type="none" w="med" len="med"/>
+                    </a:lnL>
+                    <a:lnR w="6350" cap="flat" cmpd="sng" algn="ctr">
+                      <a:solidFill>
+                        <a:srgbClr val="000000"/>
+                      </a:solidFill>
+                      <a:prstDash val="solid"/>
+                      <a:round/>
+                      <a:headEnd type="none" w="med" len="med"/>
+                      <a:tailEnd type="none" w="med" len="med"/>
+                    </a:lnR>
+                    <a:lnT w="6350" cap="flat" cmpd="sng" algn="ctr">
+                      <a:solidFill>
+                        <a:srgbClr val="000000"/>
+                      </a:solidFill>
+                      <a:prstDash val="solid"/>
+                      <a:round/>
+                      <a:headEnd type="none" w="med" len="med"/>
+                      <a:tailEnd type="none" w="med" len="med"/>
+                    </a:lnT>
+                    <a:lnB w="6350" cap="flat" cmpd="sng" algn="ctr">
+                      <a:solidFill>
+                        <a:srgbClr val="000000"/>
+                      </a:solidFill>
+                      <a:prstDash val="solid"/>
+                      <a:round/>
+                      <a:headEnd type="none" w="med" len="med"/>
+                      <a:tailEnd type="none" w="med" len="med"/>
+                    </a:lnB>
+                  </a:tcPr>
+                </a:tc>
+                <a:tc>
+                  <a:txBody>
+                    <a:bodyPr/>
+                    <a:lstStyle/>
+                    <a:p>
+                      <a:pPr algn="l" fontAlgn="ctr"/>
+                      <a:r>
+                        <a:rPr lang="en-US" sz="1200" b="0" i="0" u="none" strike="noStrike">
+                          <a:solidFill>
+                            <a:srgbClr val="000000"/>
+                          </a:solidFill>
+                          <a:latin typeface="Times New Roman" pitchFamily="18" charset="0"/>
+                          <a:ea typeface="標楷體" pitchFamily="65" charset="-120"/>
+                          <a:cs typeface="Times New Roman" pitchFamily="18" charset="0"/>
+                        </a:rPr>
+                        <a:t>v</a:t>
+                      </a:r>
+                    </a:p>
+                  </a:txBody>
+                  <a:tcPr marL="7620" marR="7620" marT="7620" marB="0" anchor="ctr">
+                    <a:lnL w="6350" cap="flat" cmpd="sng" algn="ctr">
+                      <a:solidFill>
+                        <a:srgbClr val="000000"/>
+                      </a:solidFill>
+                      <a:prstDash val="solid"/>
+                      <a:round/>
+                      <a:headEnd type="none" w="med" len="med"/>
+                      <a:tailEnd type="none" w="med" len="med"/>
+                    </a:lnL>
+                    <a:lnR w="6350" cap="flat" cmpd="sng" algn="ctr">
+                      <a:solidFill>
+                        <a:srgbClr val="000000"/>
+                      </a:solidFill>
+                      <a:prstDash val="solid"/>
+                      <a:round/>
+                      <a:headEnd type="none" w="med" len="med"/>
+                      <a:tailEnd type="none" w="med" len="med"/>
+                    </a:lnR>
+                    <a:lnT w="6350" cap="flat" cmpd="sng" algn="ctr">
+                      <a:solidFill>
+                        <a:srgbClr val="000000"/>
+                      </a:solidFill>
+                      <a:prstDash val="solid"/>
+                      <a:round/>
+                      <a:headEnd type="none" w="med" len="med"/>
+                      <a:tailEnd type="none" w="med" len="med"/>
+                    </a:lnT>
+                    <a:lnB w="6350" cap="flat" cmpd="sng" algn="ctr">
+                      <a:solidFill>
+                        <a:srgbClr val="000000"/>
+                      </a:solidFill>
+                      <a:prstDash val="solid"/>
+                      <a:round/>
+                      <a:headEnd type="none" w="med" len="med"/>
+                      <a:tailEnd type="none" w="med" len="med"/>
+                    </a:lnB>
+                  </a:tcPr>
+                </a:tc>
+              </a:tr>
+              <a:tr h="205740">
+                <a:tc>
+                  <a:txBody>
+                    <a:bodyPr/>
+                    <a:lstStyle/>
+                    <a:p>
+                      <a:pPr algn="l" fontAlgn="ctr"/>
+                      <a:r>
+                        <a:rPr lang="en-US" sz="1200" b="0" i="0" u="none" strike="noStrike">
+                          <a:solidFill>
+                            <a:srgbClr val="000000"/>
+                          </a:solidFill>
+                          <a:latin typeface="Times New Roman" pitchFamily="18" charset="0"/>
+                          <a:ea typeface="標楷體" pitchFamily="65" charset="-120"/>
+                          <a:cs typeface="Times New Roman" pitchFamily="18" charset="0"/>
+                        </a:rPr>
+                        <a:t>date</a:t>
+                      </a:r>
+                    </a:p>
+                  </a:txBody>
+                  <a:tcPr marL="7620" marR="7620" marT="7620" marB="0" anchor="ctr">
+                    <a:lnL w="6350" cap="flat" cmpd="sng" algn="ctr">
+                      <a:solidFill>
+                        <a:srgbClr val="000000"/>
+                      </a:solidFill>
+                      <a:prstDash val="solid"/>
+                      <a:round/>
+                      <a:headEnd type="none" w="med" len="med"/>
+                      <a:tailEnd type="none" w="med" len="med"/>
+                    </a:lnL>
+                    <a:lnR w="6350" cap="flat" cmpd="sng" algn="ctr">
+                      <a:solidFill>
+                        <a:srgbClr val="000000"/>
+                      </a:solidFill>
+                      <a:prstDash val="solid"/>
+                      <a:round/>
+                      <a:headEnd type="none" w="med" len="med"/>
+                      <a:tailEnd type="none" w="med" len="med"/>
+                    </a:lnR>
+                    <a:lnT w="6350" cap="flat" cmpd="sng" algn="ctr">
+                      <a:solidFill>
+                        <a:srgbClr val="000000"/>
+                      </a:solidFill>
+                      <a:prstDash val="solid"/>
+                      <a:round/>
+                      <a:headEnd type="none" w="med" len="med"/>
+                      <a:tailEnd type="none" w="med" len="med"/>
+                    </a:lnT>
+                    <a:lnB w="6350" cap="flat" cmpd="sng" algn="ctr">
+                      <a:solidFill>
+                        <a:srgbClr val="000000"/>
+                      </a:solidFill>
+                      <a:prstDash val="solid"/>
+                      <a:round/>
+                      <a:headEnd type="none" w="med" len="med"/>
+                      <a:tailEnd type="none" w="med" len="med"/>
+                    </a:lnB>
+                  </a:tcPr>
+                </a:tc>
+                <a:tc>
+                  <a:txBody>
+                    <a:bodyPr/>
+                    <a:lstStyle/>
+                    <a:p>
+                      <a:pPr algn="l" fontAlgn="ctr"/>
+                      <a:r>
+                        <a:rPr lang="en-US" sz="1200" b="0" i="0" u="none" strike="noStrike">
+                          <a:solidFill>
+                            <a:srgbClr val="000000"/>
+                          </a:solidFill>
+                          <a:latin typeface="Times New Roman" pitchFamily="18" charset="0"/>
+                          <a:ea typeface="標楷體" pitchFamily="65" charset="-120"/>
+                          <a:cs typeface="Times New Roman" pitchFamily="18" charset="0"/>
+                        </a:rPr>
+                        <a:t>string</a:t>
+                      </a:r>
+                    </a:p>
+                  </a:txBody>
+                  <a:tcPr marL="7620" marR="7620" marT="7620" marB="0" anchor="ctr">
+                    <a:lnL w="6350" cap="flat" cmpd="sng" algn="ctr">
+                      <a:solidFill>
+                        <a:srgbClr val="000000"/>
+                      </a:solidFill>
+                      <a:prstDash val="solid"/>
+                      <a:round/>
+                      <a:headEnd type="none" w="med" len="med"/>
+                      <a:tailEnd type="none" w="med" len="med"/>
+                    </a:lnL>
+                    <a:lnR w="6350" cap="flat" cmpd="sng" algn="ctr">
+                      <a:solidFill>
+                        <a:srgbClr val="000000"/>
+                      </a:solidFill>
+                      <a:prstDash val="solid"/>
+                      <a:round/>
+                      <a:headEnd type="none" w="med" len="med"/>
+                      <a:tailEnd type="none" w="med" len="med"/>
+                    </a:lnR>
+                    <a:lnT w="6350" cap="flat" cmpd="sng" algn="ctr">
+                      <a:solidFill>
+                        <a:srgbClr val="000000"/>
+                      </a:solidFill>
+                      <a:prstDash val="solid"/>
+                      <a:round/>
+                      <a:headEnd type="none" w="med" len="med"/>
+                      <a:tailEnd type="none" w="med" len="med"/>
+                    </a:lnT>
+                    <a:lnB w="6350" cap="flat" cmpd="sng" algn="ctr">
+                      <a:solidFill>
+                        <a:srgbClr val="000000"/>
+                      </a:solidFill>
+                      <a:prstDash val="solid"/>
+                      <a:round/>
+                      <a:headEnd type="none" w="med" len="med"/>
+                      <a:tailEnd type="none" w="med" len="med"/>
+                    </a:lnB>
+                  </a:tcPr>
+                </a:tc>
+                <a:tc>
+                  <a:txBody>
+                    <a:bodyPr/>
+                    <a:lstStyle/>
+                    <a:p>
+                      <a:pPr algn="l" fontAlgn="ctr"/>
+                      <a:r>
+                        <a:rPr lang="en-US" sz="1200" b="0" i="0" u="none" strike="noStrike">
+                          <a:solidFill>
+                            <a:srgbClr val="000000"/>
+                          </a:solidFill>
+                          <a:latin typeface="Times New Roman" pitchFamily="18" charset="0"/>
+                          <a:ea typeface="標楷體" pitchFamily="65" charset="-120"/>
+                          <a:cs typeface="Times New Roman" pitchFamily="18" charset="0"/>
+                        </a:rPr>
+                        <a:t>v</a:t>
+                      </a:r>
+                    </a:p>
+                  </a:txBody>
+                  <a:tcPr marL="7620" marR="7620" marT="7620" marB="0" anchor="ctr">
+                    <a:lnL w="6350" cap="flat" cmpd="sng" algn="ctr">
+                      <a:solidFill>
+                        <a:srgbClr val="000000"/>
+                      </a:solidFill>
+                      <a:prstDash val="solid"/>
+                      <a:round/>
+                      <a:headEnd type="none" w="med" len="med"/>
+                      <a:tailEnd type="none" w="med" len="med"/>
+                    </a:lnL>
+                    <a:lnR w="6350" cap="flat" cmpd="sng" algn="ctr">
+                      <a:solidFill>
+                        <a:srgbClr val="000000"/>
+                      </a:solidFill>
+                      <a:prstDash val="solid"/>
+                      <a:round/>
+                      <a:headEnd type="none" w="med" len="med"/>
+                      <a:tailEnd type="none" w="med" len="med"/>
+                    </a:lnR>
+                    <a:lnT w="6350" cap="flat" cmpd="sng" algn="ctr">
+                      <a:solidFill>
+                        <a:srgbClr val="000000"/>
+                      </a:solidFill>
+                      <a:prstDash val="solid"/>
+                      <a:round/>
+                      <a:headEnd type="none" w="med" len="med"/>
+                      <a:tailEnd type="none" w="med" len="med"/>
+                    </a:lnT>
+                    <a:lnB w="6350" cap="flat" cmpd="sng" algn="ctr">
+                      <a:solidFill>
+                        <a:srgbClr val="000000"/>
+                      </a:solidFill>
+                      <a:prstDash val="solid"/>
+                      <a:round/>
+                      <a:headEnd type="none" w="med" len="med"/>
+                      <a:tailEnd type="none" w="med" len="med"/>
+                    </a:lnB>
+                  </a:tcPr>
+                </a:tc>
+              </a:tr>
+              <a:tr h="205740">
+                <a:tc>
+                  <a:txBody>
+                    <a:bodyPr/>
+                    <a:lstStyle/>
+                    <a:p>
+                      <a:pPr algn="l" fontAlgn="ctr"/>
+                      <a:r>
+                        <a:rPr lang="en-US" sz="1200" b="0" i="0" u="none" strike="noStrike">
+                          <a:solidFill>
+                            <a:srgbClr val="000000"/>
+                          </a:solidFill>
+                          <a:latin typeface="Times New Roman" pitchFamily="18" charset="0"/>
+                          <a:ea typeface="標楷體" pitchFamily="65" charset="-120"/>
+                          <a:cs typeface="Times New Roman" pitchFamily="18" charset="0"/>
+                        </a:rPr>
+                        <a:t>image</a:t>
+                      </a:r>
+                    </a:p>
+                  </a:txBody>
+                  <a:tcPr marL="7620" marR="7620" marT="7620" marB="0" anchor="ctr">
+                    <a:lnL w="6350" cap="flat" cmpd="sng" algn="ctr">
+                      <a:solidFill>
+                        <a:srgbClr val="000000"/>
+                      </a:solidFill>
+                      <a:prstDash val="solid"/>
+                      <a:round/>
+                      <a:headEnd type="none" w="med" len="med"/>
+                      <a:tailEnd type="none" w="med" len="med"/>
+                    </a:lnL>
+                    <a:lnR w="6350" cap="flat" cmpd="sng" algn="ctr">
+                      <a:solidFill>
+                        <a:srgbClr val="000000"/>
+                      </a:solidFill>
+                      <a:prstDash val="solid"/>
+                      <a:round/>
+                      <a:headEnd type="none" w="med" len="med"/>
+                      <a:tailEnd type="none" w="med" len="med"/>
+                    </a:lnR>
+                    <a:lnT w="6350" cap="flat" cmpd="sng" algn="ctr">
+                      <a:solidFill>
+                        <a:srgbClr val="000000"/>
+                      </a:solidFill>
+                      <a:prstDash val="solid"/>
+                      <a:round/>
+                      <a:headEnd type="none" w="med" len="med"/>
+                      <a:tailEnd type="none" w="med" len="med"/>
+                    </a:lnT>
+                    <a:lnB w="6350" cap="flat" cmpd="sng" algn="ctr">
+                      <a:solidFill>
+                        <a:srgbClr val="000000"/>
+                      </a:solidFill>
+                      <a:prstDash val="solid"/>
+                      <a:round/>
+                      <a:headEnd type="none" w="med" len="med"/>
+                      <a:tailEnd type="none" w="med" len="med"/>
+                    </a:lnB>
+                  </a:tcPr>
+                </a:tc>
+                <a:tc>
+                  <a:txBody>
+                    <a:bodyPr/>
+                    <a:lstStyle/>
+                    <a:p>
+                      <a:pPr algn="l" fontAlgn="ctr"/>
+                      <a:r>
+                        <a:rPr lang="en-US" sz="1200" b="0" i="0" u="none" strike="noStrike">
+                          <a:solidFill>
+                            <a:srgbClr val="000000"/>
+                          </a:solidFill>
+                          <a:latin typeface="Times New Roman" pitchFamily="18" charset="0"/>
+                          <a:ea typeface="標楷體" pitchFamily="65" charset="-120"/>
+                          <a:cs typeface="Times New Roman" pitchFamily="18" charset="0"/>
+                        </a:rPr>
+                        <a:t>string</a:t>
+                      </a:r>
+                    </a:p>
+                  </a:txBody>
+                  <a:tcPr marL="7620" marR="7620" marT="7620" marB="0" anchor="ctr">
+                    <a:lnL w="6350" cap="flat" cmpd="sng" algn="ctr">
+                      <a:solidFill>
+                        <a:srgbClr val="000000"/>
+                      </a:solidFill>
+                      <a:prstDash val="solid"/>
+                      <a:round/>
+                      <a:headEnd type="none" w="med" len="med"/>
+                      <a:tailEnd type="none" w="med" len="med"/>
+                    </a:lnL>
+                    <a:lnR w="6350" cap="flat" cmpd="sng" algn="ctr">
+                      <a:solidFill>
+                        <a:srgbClr val="000000"/>
+                      </a:solidFill>
+                      <a:prstDash val="solid"/>
+                      <a:round/>
+                      <a:headEnd type="none" w="med" len="med"/>
+                      <a:tailEnd type="none" w="med" len="med"/>
+                    </a:lnR>
+                    <a:lnT w="6350" cap="flat" cmpd="sng" algn="ctr">
+                      <a:solidFill>
+                        <a:srgbClr val="000000"/>
+                      </a:solidFill>
+                      <a:prstDash val="solid"/>
+                      <a:round/>
+                      <a:headEnd type="none" w="med" len="med"/>
+                      <a:tailEnd type="none" w="med" len="med"/>
+                    </a:lnT>
+                    <a:lnB w="6350" cap="flat" cmpd="sng" algn="ctr">
+                      <a:solidFill>
+                        <a:srgbClr val="000000"/>
+                      </a:solidFill>
+                      <a:prstDash val="solid"/>
+                      <a:round/>
+                      <a:headEnd type="none" w="med" len="med"/>
+                      <a:tailEnd type="none" w="med" len="med"/>
+                    </a:lnB>
+                  </a:tcPr>
+                </a:tc>
+                <a:tc>
+                  <a:txBody>
+                    <a:bodyPr/>
+                    <a:lstStyle/>
+                    <a:p>
+                      <a:pPr algn="l" fontAlgn="ctr"/>
+                      <a:r>
+                        <a:rPr lang="en-US" sz="1200" b="0" i="0" u="none" strike="noStrike">
+                          <a:solidFill>
+                            <a:srgbClr val="000000"/>
+                          </a:solidFill>
+                          <a:latin typeface="Times New Roman" pitchFamily="18" charset="0"/>
+                          <a:ea typeface="標楷體" pitchFamily="65" charset="-120"/>
+                          <a:cs typeface="Times New Roman" pitchFamily="18" charset="0"/>
+                        </a:rPr>
+                        <a:t>v</a:t>
+                      </a:r>
+                    </a:p>
+                  </a:txBody>
+                  <a:tcPr marL="7620" marR="7620" marT="7620" marB="0" anchor="ctr">
+                    <a:lnL w="6350" cap="flat" cmpd="sng" algn="ctr">
+                      <a:solidFill>
+                        <a:srgbClr val="000000"/>
+                      </a:solidFill>
+                      <a:prstDash val="solid"/>
+                      <a:round/>
+                      <a:headEnd type="none" w="med" len="med"/>
+                      <a:tailEnd type="none" w="med" len="med"/>
+                    </a:lnL>
+                    <a:lnR w="6350" cap="flat" cmpd="sng" algn="ctr">
+                      <a:solidFill>
+                        <a:srgbClr val="000000"/>
+                      </a:solidFill>
+                      <a:prstDash val="solid"/>
+                      <a:round/>
+                      <a:headEnd type="none" w="med" len="med"/>
+                      <a:tailEnd type="none" w="med" len="med"/>
+                    </a:lnR>
+                    <a:lnT w="6350" cap="flat" cmpd="sng" algn="ctr">
+                      <a:solidFill>
+                        <a:srgbClr val="000000"/>
+                      </a:solidFill>
+                      <a:prstDash val="solid"/>
+                      <a:round/>
+                      <a:headEnd type="none" w="med" len="med"/>
+                      <a:tailEnd type="none" w="med" len="med"/>
+                    </a:lnT>
+                    <a:lnB w="6350" cap="flat" cmpd="sng" algn="ctr">
+                      <a:solidFill>
+                        <a:srgbClr val="000000"/>
+                      </a:solidFill>
+                      <a:prstDash val="solid"/>
+                      <a:round/>
+                      <a:headEnd type="none" w="med" len="med"/>
+                      <a:tailEnd type="none" w="med" len="med"/>
+                    </a:lnB>
+                  </a:tcPr>
+                </a:tc>
+              </a:tr>
+              <a:tr h="205740">
+                <a:tc>
+                  <a:txBody>
+                    <a:bodyPr/>
+                    <a:lstStyle/>
+                    <a:p>
+                      <a:pPr algn="l" fontAlgn="ctr"/>
+                      <a:r>
+                        <a:rPr lang="en-US" sz="1200" b="0" i="0" u="none" strike="noStrike">
+                          <a:solidFill>
+                            <a:srgbClr val="000000"/>
+                          </a:solidFill>
+                          <a:latin typeface="Times New Roman" pitchFamily="18" charset="0"/>
+                          <a:ea typeface="標楷體" pitchFamily="65" charset="-120"/>
+                          <a:cs typeface="Times New Roman" pitchFamily="18" charset="0"/>
+                        </a:rPr>
+                        <a:t>created_at</a:t>
+                      </a:r>
+                    </a:p>
+                  </a:txBody>
+                  <a:tcPr marL="7620" marR="7620" marT="7620" marB="0" anchor="ctr">
+                    <a:lnL w="6350" cap="flat" cmpd="sng" algn="ctr">
+                      <a:solidFill>
+                        <a:srgbClr val="000000"/>
+                      </a:solidFill>
+                      <a:prstDash val="solid"/>
+                      <a:round/>
+                      <a:headEnd type="none" w="med" len="med"/>
+                      <a:tailEnd type="none" w="med" len="med"/>
+                    </a:lnL>
+                    <a:lnR w="6350" cap="flat" cmpd="sng" algn="ctr">
+                      <a:solidFill>
+                        <a:srgbClr val="000000"/>
+                      </a:solidFill>
+                      <a:prstDash val="solid"/>
+                      <a:round/>
+                      <a:headEnd type="none" w="med" len="med"/>
+                      <a:tailEnd type="none" w="med" len="med"/>
+                    </a:lnR>
+                    <a:lnT w="6350" cap="flat" cmpd="sng" algn="ctr">
+                      <a:solidFill>
+                        <a:srgbClr val="000000"/>
+                      </a:solidFill>
+                      <a:prstDash val="solid"/>
+                      <a:round/>
+                      <a:headEnd type="none" w="med" len="med"/>
+                      <a:tailEnd type="none" w="med" len="med"/>
+                    </a:lnT>
+                    <a:lnB w="6350" cap="flat" cmpd="sng" algn="ctr">
+                      <a:solidFill>
+                        <a:srgbClr val="000000"/>
+                      </a:solidFill>
+                      <a:prstDash val="solid"/>
+                      <a:round/>
+                      <a:headEnd type="none" w="med" len="med"/>
+                      <a:tailEnd type="none" w="med" len="med"/>
+                    </a:lnB>
+                  </a:tcPr>
+                </a:tc>
+                <a:tc>
+                  <a:txBody>
+                    <a:bodyPr/>
+                    <a:lstStyle/>
+                    <a:p>
+                      <a:pPr algn="l" fontAlgn="ctr"/>
+                      <a:r>
+                        <a:rPr lang="en-US" sz="1200" b="0" i="0" u="none" strike="noStrike">
+                          <a:solidFill>
+                            <a:srgbClr val="000000"/>
+                          </a:solidFill>
+                          <a:latin typeface="Times New Roman" pitchFamily="18" charset="0"/>
+                          <a:ea typeface="標楷體" pitchFamily="65" charset="-120"/>
+                          <a:cs typeface="Times New Roman" pitchFamily="18" charset="0"/>
+                        </a:rPr>
+                        <a:t>timestamps</a:t>
+                      </a:r>
+                    </a:p>
+                  </a:txBody>
+                  <a:tcPr marL="7620" marR="7620" marT="7620" marB="0" anchor="ctr">
+                    <a:lnL w="6350" cap="flat" cmpd="sng" algn="ctr">
+                      <a:solidFill>
+                        <a:srgbClr val="000000"/>
+                      </a:solidFill>
+                      <a:prstDash val="solid"/>
+                      <a:round/>
+                      <a:headEnd type="none" w="med" len="med"/>
+                      <a:tailEnd type="none" w="med" len="med"/>
+                    </a:lnL>
+                    <a:lnR w="6350" cap="flat" cmpd="sng" algn="ctr">
+                      <a:solidFill>
+                        <a:srgbClr val="000000"/>
+                      </a:solidFill>
+                      <a:prstDash val="solid"/>
+                      <a:round/>
+                      <a:headEnd type="none" w="med" len="med"/>
+                      <a:tailEnd type="none" w="med" len="med"/>
+                    </a:lnR>
+                    <a:lnT w="6350" cap="flat" cmpd="sng" algn="ctr">
+                      <a:solidFill>
+                        <a:srgbClr val="000000"/>
+                      </a:solidFill>
+                      <a:prstDash val="solid"/>
+                      <a:round/>
+                      <a:headEnd type="none" w="med" len="med"/>
+                      <a:tailEnd type="none" w="med" len="med"/>
+                    </a:lnT>
+                    <a:lnB w="6350" cap="flat" cmpd="sng" algn="ctr">
+                      <a:solidFill>
+                        <a:srgbClr val="000000"/>
+                      </a:solidFill>
+                      <a:prstDash val="solid"/>
+                      <a:round/>
+                      <a:headEnd type="none" w="med" len="med"/>
+                      <a:tailEnd type="none" w="med" len="med"/>
+                    </a:lnB>
+                  </a:tcPr>
+                </a:tc>
+                <a:tc>
+                  <a:txBody>
+                    <a:bodyPr/>
+                    <a:lstStyle/>
+                    <a:p>
+                      <a:pPr algn="l" fontAlgn="ctr"/>
+                      <a:r>
+                        <a:rPr lang="zh-TW" altLang="en-US" sz="1200" b="0" i="0" u="none" strike="noStrike">
+                          <a:solidFill>
+                            <a:srgbClr val="000000"/>
+                          </a:solidFill>
+                          <a:latin typeface="Times New Roman" pitchFamily="18" charset="0"/>
+                          <a:ea typeface="標楷體" pitchFamily="65" charset="-120"/>
+                          <a:cs typeface="Times New Roman" pitchFamily="18" charset="0"/>
+                        </a:rPr>
+                        <a:t>　</a:t>
+                      </a:r>
+                    </a:p>
+                  </a:txBody>
+                  <a:tcPr marL="7620" marR="7620" marT="7620" marB="0" anchor="ctr">
+                    <a:lnL w="6350" cap="flat" cmpd="sng" algn="ctr">
+                      <a:solidFill>
+                        <a:srgbClr val="000000"/>
+                      </a:solidFill>
+                      <a:prstDash val="solid"/>
+                      <a:round/>
+                      <a:headEnd type="none" w="med" len="med"/>
+                      <a:tailEnd type="none" w="med" len="med"/>
+                    </a:lnL>
+                    <a:lnR w="6350" cap="flat" cmpd="sng" algn="ctr">
+                      <a:solidFill>
+                        <a:srgbClr val="000000"/>
+                      </a:solidFill>
+                      <a:prstDash val="solid"/>
+                      <a:round/>
+                      <a:headEnd type="none" w="med" len="med"/>
+                      <a:tailEnd type="none" w="med" len="med"/>
+                    </a:lnR>
+                    <a:lnT w="6350" cap="flat" cmpd="sng" algn="ctr">
+                      <a:solidFill>
+                        <a:srgbClr val="000000"/>
+                      </a:solidFill>
+                      <a:prstDash val="solid"/>
+                      <a:round/>
+                      <a:headEnd type="none" w="med" len="med"/>
+                      <a:tailEnd type="none" w="med" len="med"/>
+                    </a:lnT>
+                    <a:lnB w="6350" cap="flat" cmpd="sng" algn="ctr">
+                      <a:solidFill>
+                        <a:srgbClr val="000000"/>
+                      </a:solidFill>
+                      <a:prstDash val="solid"/>
+                      <a:round/>
+                      <a:headEnd type="none" w="med" len="med"/>
+                      <a:tailEnd type="none" w="med" len="med"/>
+                    </a:lnB>
+                  </a:tcPr>
+                </a:tc>
+              </a:tr>
+              <a:tr h="205740">
+                <a:tc>
+                  <a:txBody>
+                    <a:bodyPr/>
+                    <a:lstStyle/>
+                    <a:p>
+                      <a:pPr algn="l" fontAlgn="ctr"/>
+                      <a:r>
+                        <a:rPr lang="en-US" sz="1200" b="0" i="0" u="none" strike="noStrike" dirty="0" err="1">
+                          <a:solidFill>
+                            <a:srgbClr val="000000"/>
+                          </a:solidFill>
+                          <a:latin typeface="Times New Roman" pitchFamily="18" charset="0"/>
+                          <a:ea typeface="標楷體" pitchFamily="65" charset="-120"/>
+                          <a:cs typeface="Times New Roman" pitchFamily="18" charset="0"/>
+                        </a:rPr>
+                        <a:t>updated_at</a:t>
+                      </a:r>
+                      <a:endParaRPr lang="en-US" sz="1200" b="0" i="0" u="none" strike="noStrike" dirty="0">
+                        <a:solidFill>
+                          <a:srgbClr val="000000"/>
+                        </a:solidFill>
+                        <a:latin typeface="Times New Roman" pitchFamily="18" charset="0"/>
+                        <a:ea typeface="標楷體" pitchFamily="65" charset="-120"/>
+                        <a:cs typeface="Times New Roman" pitchFamily="18" charset="0"/>
+                      </a:endParaRPr>
+                    </a:p>
+                  </a:txBody>
+                  <a:tcPr marL="7620" marR="7620" marT="7620" marB="0" anchor="ctr">
+                    <a:lnL w="6350" cap="flat" cmpd="sng" algn="ctr">
+                      <a:solidFill>
+                        <a:srgbClr val="000000"/>
+                      </a:solidFill>
+                      <a:prstDash val="solid"/>
+                      <a:round/>
+                      <a:headEnd type="none" w="med" len="med"/>
+                      <a:tailEnd type="none" w="med" len="med"/>
+                    </a:lnL>
+                    <a:lnR w="6350" cap="flat" cmpd="sng" algn="ctr">
+                      <a:solidFill>
+                        <a:srgbClr val="000000"/>
+                      </a:solidFill>
+                      <a:prstDash val="solid"/>
+                      <a:round/>
+                      <a:headEnd type="none" w="med" len="med"/>
+                      <a:tailEnd type="none" w="med" len="med"/>
+                    </a:lnR>
+                    <a:lnT w="6350" cap="flat" cmpd="sng" algn="ctr">
+                      <a:solidFill>
+                        <a:srgbClr val="000000"/>
+                      </a:solidFill>
+                      <a:prstDash val="solid"/>
+                      <a:round/>
+                      <a:headEnd type="none" w="med" len="med"/>
+                      <a:tailEnd type="none" w="med" len="med"/>
+                    </a:lnT>
+                    <a:lnB w="6350" cap="flat" cmpd="sng" algn="ctr">
+                      <a:solidFill>
+                        <a:srgbClr val="000000"/>
+                      </a:solidFill>
+                      <a:prstDash val="solid"/>
+                      <a:round/>
+                      <a:headEnd type="none" w="med" len="med"/>
+                      <a:tailEnd type="none" w="med" len="med"/>
+                    </a:lnB>
+                  </a:tcPr>
+                </a:tc>
+                <a:tc>
+                  <a:txBody>
+                    <a:bodyPr/>
+                    <a:lstStyle/>
+                    <a:p>
+                      <a:pPr algn="l" fontAlgn="ctr"/>
+                      <a:r>
+                        <a:rPr lang="en-US" sz="1200" b="0" i="0" u="none" strike="noStrike">
+                          <a:solidFill>
+                            <a:srgbClr val="000000"/>
+                          </a:solidFill>
+                          <a:latin typeface="Times New Roman" pitchFamily="18" charset="0"/>
+                          <a:ea typeface="標楷體" pitchFamily="65" charset="-120"/>
+                          <a:cs typeface="Times New Roman" pitchFamily="18" charset="0"/>
+                        </a:rPr>
+                        <a:t>timestamps</a:t>
+                      </a:r>
+                    </a:p>
+                  </a:txBody>
+                  <a:tcPr marL="7620" marR="7620" marT="7620" marB="0" anchor="ctr">
+                    <a:lnL w="6350" cap="flat" cmpd="sng" algn="ctr">
+                      <a:solidFill>
+                        <a:srgbClr val="000000"/>
+                      </a:solidFill>
+                      <a:prstDash val="solid"/>
+                      <a:round/>
+                      <a:headEnd type="none" w="med" len="med"/>
+                      <a:tailEnd type="none" w="med" len="med"/>
+                    </a:lnL>
+                    <a:lnR w="6350" cap="flat" cmpd="sng" algn="ctr">
+                      <a:solidFill>
+                        <a:srgbClr val="000000"/>
+                      </a:solidFill>
+                      <a:prstDash val="solid"/>
+                      <a:round/>
+                      <a:headEnd type="none" w="med" len="med"/>
+                      <a:tailEnd type="none" w="med" len="med"/>
+                    </a:lnR>
+                    <a:lnT w="6350" cap="flat" cmpd="sng" algn="ctr">
+                      <a:solidFill>
+                        <a:srgbClr val="000000"/>
+                      </a:solidFill>
+                      <a:prstDash val="solid"/>
+                      <a:round/>
+                      <a:headEnd type="none" w="med" len="med"/>
+                      <a:tailEnd type="none" w="med" len="med"/>
+                    </a:lnT>
+                    <a:lnB w="6350" cap="flat" cmpd="sng" algn="ctr">
+                      <a:solidFill>
+                        <a:srgbClr val="000000"/>
+                      </a:solidFill>
+                      <a:prstDash val="solid"/>
+                      <a:round/>
+                      <a:headEnd type="none" w="med" len="med"/>
+                      <a:tailEnd type="none" w="med" len="med"/>
+                    </a:lnB>
+                  </a:tcPr>
+                </a:tc>
+                <a:tc>
+                  <a:txBody>
+                    <a:bodyPr/>
+                    <a:lstStyle/>
+                    <a:p>
+                      <a:pPr algn="l" fontAlgn="ctr"/>
+                      <a:r>
+                        <a:rPr lang="zh-TW" altLang="en-US" sz="1200" b="0" i="0" u="none" strike="noStrike" dirty="0">
+                          <a:solidFill>
+                            <a:srgbClr val="000000"/>
+                          </a:solidFill>
+                          <a:latin typeface="Times New Roman" pitchFamily="18" charset="0"/>
+                          <a:ea typeface="標楷體" pitchFamily="65" charset="-120"/>
+                          <a:cs typeface="Times New Roman" pitchFamily="18" charset="0"/>
+                        </a:rPr>
+                        <a:t>　</a:t>
+                      </a:r>
+                    </a:p>
+                  </a:txBody>
+                  <a:tcPr marL="7620" marR="7620" marT="7620" marB="0" anchor="ctr">
+                    <a:lnL w="6350" cap="flat" cmpd="sng" algn="ctr">
+                      <a:solidFill>
+                        <a:srgbClr val="000000"/>
+                      </a:solidFill>
+                      <a:prstDash val="solid"/>
+                      <a:round/>
+                      <a:headEnd type="none" w="med" len="med"/>
+                      <a:tailEnd type="none" w="med" len="med"/>
+                    </a:lnL>
+                    <a:lnR w="6350" cap="flat" cmpd="sng" algn="ctr">
+                      <a:solidFill>
+                        <a:srgbClr val="000000"/>
+                      </a:solidFill>
+                      <a:prstDash val="solid"/>
+                      <a:round/>
+                      <a:headEnd type="none" w="med" len="med"/>
+                      <a:tailEnd type="none" w="med" len="med"/>
+                    </a:lnR>
+                    <a:lnT w="6350" cap="flat" cmpd="sng" algn="ctr">
+                      <a:solidFill>
+                        <a:srgbClr val="000000"/>
+                      </a:solidFill>
+                      <a:prstDash val="solid"/>
+                      <a:round/>
+                      <a:headEnd type="none" w="med" len="med"/>
+                      <a:tailEnd type="none" w="med" len="med"/>
+                    </a:lnT>
+                    <a:lnB w="6350" cap="flat" cmpd="sng" algn="ctr">
+                      <a:solidFill>
+                        <a:srgbClr val="000000"/>
+                      </a:solidFill>
+                      <a:prstDash val="solid"/>
+                      <a:round/>
+                      <a:headEnd type="none" w="med" len="med"/>
+                      <a:tailEnd type="none" w="med" len="med"/>
+                    </a:lnB>
+                  </a:tcPr>
+                </a:tc>
+              </a:tr>
+            </a:tbl>
+          </a:graphicData>
+        </a:graphic>
+      </p:graphicFrame>
+    </p:spTree>
+  </p:cSld>
+  <p:clrMapOvr>
+    <a:masterClrMapping/>
+  </p:clrMapOvr>
+</p:sld>
+</file>
+
 <file path=ppt/theme/theme1.xml><?xml version="1.0" encoding="utf-8"?>
 <a:theme xmlns:a="http://schemas.openxmlformats.org/drawingml/2006/main" name="Office 佈景主題">
   <a:themeElements>
